--- a/教案/第06章 树、二叉树和森林.pptx
+++ b/教案/第06章 树、二叉树和森林.pptx
@@ -20,20 +20,21 @@
     <p:sldId id="267" r:id="rId14"/>
     <p:sldId id="284" r:id="rId15"/>
     <p:sldId id="268" r:id="rId16"/>
-    <p:sldId id="263" r:id="rId17"/>
-    <p:sldId id="264" r:id="rId18"/>
-    <p:sldId id="265" r:id="rId19"/>
-    <p:sldId id="266" r:id="rId20"/>
-    <p:sldId id="269" r:id="rId21"/>
-    <p:sldId id="270" r:id="rId22"/>
-    <p:sldId id="271" r:id="rId23"/>
-    <p:sldId id="273" r:id="rId24"/>
-    <p:sldId id="278" r:id="rId25"/>
-    <p:sldId id="274" r:id="rId26"/>
-    <p:sldId id="279" r:id="rId27"/>
-    <p:sldId id="285" r:id="rId28"/>
-    <p:sldId id="275" r:id="rId29"/>
-    <p:sldId id="276" r:id="rId30"/>
+    <p:sldId id="286" r:id="rId17"/>
+    <p:sldId id="263" r:id="rId18"/>
+    <p:sldId id="264" r:id="rId19"/>
+    <p:sldId id="265" r:id="rId20"/>
+    <p:sldId id="266" r:id="rId21"/>
+    <p:sldId id="269" r:id="rId22"/>
+    <p:sldId id="270" r:id="rId23"/>
+    <p:sldId id="271" r:id="rId24"/>
+    <p:sldId id="273" r:id="rId25"/>
+    <p:sldId id="278" r:id="rId26"/>
+    <p:sldId id="274" r:id="rId27"/>
+    <p:sldId id="279" r:id="rId28"/>
+    <p:sldId id="285" r:id="rId29"/>
+    <p:sldId id="275" r:id="rId30"/>
+    <p:sldId id="276" r:id="rId31"/>
   </p:sldIdLst>
   <p:sldSz cx="12192000" cy="6858000"/>
   <p:notesSz cx="6858000" cy="9144000"/>
@@ -19999,18 +20000,21 @@
           <a:lstStyle/>
           <a:p>
             <a:r>
-              <a:rPr lang="zh-CN" altLang="en-US" sz="2400" b="1">
+              <a:rPr lang="zh-CN" altLang="en-US" sz="2400" b="1" dirty="0">
                 <a:latin typeface="Courier New" panose="02070309020205020404" pitchFamily="49" charset="0"/>
                 <a:ea typeface="华文新魏" panose="02010800040101010101" pitchFamily="2" charset="-122"/>
               </a:rPr>
               <a:t>前序遍历序：</a:t>
             </a:r>
             <a:r>
-              <a:rPr lang="en-US" altLang="zh-CN" sz="2400" b="1">
+              <a:rPr lang="en-US" altLang="zh-CN" sz="2400" b="1" dirty="0" err="1">
                 <a:latin typeface="Courier New" panose="02070309020205020404" pitchFamily="49" charset="0"/>
               </a:rPr>
               <a:t>abdceghfi</a:t>
             </a:r>
+            <a:endParaRPr lang="en-US" altLang="zh-CN" sz="2400" b="1" dirty="0">
+              <a:latin typeface="Courier New" panose="02070309020205020404" pitchFamily="49" charset="0"/>
+            </a:endParaRPr>
           </a:p>
         </p:txBody>
       </p:sp>
@@ -20437,6 +20441,2447 @@
       </p:grpSpPr>
       <p:sp>
         <p:nvSpPr>
+          <p:cNvPr id="2" name="矩形 1">
+            <a:extLst>
+              <a:ext uri="{FF2B5EF4-FFF2-40B4-BE49-F238E27FC236}">
+                <a16:creationId xmlns:a16="http://schemas.microsoft.com/office/drawing/2014/main" id="{82383E9C-79FC-4896-975F-997CD3C0384A}"/>
+              </a:ext>
+            </a:extLst>
+          </p:cNvPr>
+          <p:cNvSpPr/>
+          <p:nvPr/>
+        </p:nvSpPr>
+        <p:spPr>
+          <a:xfrm>
+            <a:off x="695400" y="1166842"/>
+            <a:ext cx="7776864" cy="4524315"/>
+          </a:xfrm>
+          <a:prstGeom prst="rect">
+            <a:avLst/>
+          </a:prstGeom>
+        </p:spPr>
+        <p:style>
+          <a:lnRef idx="2">
+            <a:schemeClr val="dk1"/>
+          </a:lnRef>
+          <a:fillRef idx="1">
+            <a:schemeClr val="lt1"/>
+          </a:fillRef>
+          <a:effectRef idx="0">
+            <a:schemeClr val="dk1"/>
+          </a:effectRef>
+          <a:fontRef idx="minor">
+            <a:schemeClr val="dk1"/>
+          </a:fontRef>
+        </p:style>
+        <p:txBody>
+          <a:bodyPr wrap="square">
+            <a:spAutoFit/>
+          </a:bodyPr>
+          <a:lstStyle/>
+          <a:p>
+            <a:r>
+              <a:rPr lang="en-US" altLang="zh-CN" sz="1200" dirty="0" err="1">
+                <a:solidFill>
+                  <a:srgbClr val="2B91AF"/>
+                </a:solidFill>
+                <a:latin typeface="新宋体" panose="02010609030101010101" pitchFamily="49" charset="-122"/>
+                <a:ea typeface="新宋体" panose="02010609030101010101" pitchFamily="49" charset="-122"/>
+              </a:rPr>
+              <a:t>BiTree</a:t>
+            </a:r>
+            <a:r>
+              <a:rPr lang="en-US" altLang="zh-CN" sz="1200" dirty="0">
+                <a:solidFill>
+                  <a:srgbClr val="000000"/>
+                </a:solidFill>
+                <a:latin typeface="新宋体" panose="02010609030101010101" pitchFamily="49" charset="-122"/>
+                <a:ea typeface="新宋体" panose="02010609030101010101" pitchFamily="49" charset="-122"/>
+              </a:rPr>
+              <a:t> </a:t>
+            </a:r>
+            <a:r>
+              <a:rPr lang="en-US" altLang="zh-CN" sz="1200" dirty="0" err="1">
+                <a:solidFill>
+                  <a:srgbClr val="000000"/>
+                </a:solidFill>
+                <a:latin typeface="新宋体" panose="02010609030101010101" pitchFamily="49" charset="-122"/>
+                <a:ea typeface="新宋体" panose="02010609030101010101" pitchFamily="49" charset="-122"/>
+              </a:rPr>
+              <a:t>CreateBiTree</a:t>
+            </a:r>
+            <a:r>
+              <a:rPr lang="en-US" altLang="zh-CN" sz="1200" dirty="0">
+                <a:solidFill>
+                  <a:srgbClr val="000000"/>
+                </a:solidFill>
+                <a:latin typeface="新宋体" panose="02010609030101010101" pitchFamily="49" charset="-122"/>
+                <a:ea typeface="新宋体" panose="02010609030101010101" pitchFamily="49" charset="-122"/>
+              </a:rPr>
+              <a:t>(</a:t>
+            </a:r>
+            <a:r>
+              <a:rPr lang="en-US" altLang="zh-CN" sz="1200" dirty="0">
+                <a:solidFill>
+                  <a:srgbClr val="0000FF"/>
+                </a:solidFill>
+                <a:latin typeface="新宋体" panose="02010609030101010101" pitchFamily="49" charset="-122"/>
+                <a:ea typeface="新宋体" panose="02010609030101010101" pitchFamily="49" charset="-122"/>
+              </a:rPr>
+              <a:t>const</a:t>
+            </a:r>
+            <a:r>
+              <a:rPr lang="en-US" altLang="zh-CN" sz="1200" dirty="0">
+                <a:solidFill>
+                  <a:srgbClr val="000000"/>
+                </a:solidFill>
+                <a:latin typeface="新宋体" panose="02010609030101010101" pitchFamily="49" charset="-122"/>
+                <a:ea typeface="新宋体" panose="02010609030101010101" pitchFamily="49" charset="-122"/>
+              </a:rPr>
+              <a:t> </a:t>
+            </a:r>
+            <a:r>
+              <a:rPr lang="en-US" altLang="zh-CN" sz="1200" dirty="0">
+                <a:solidFill>
+                  <a:srgbClr val="0000FF"/>
+                </a:solidFill>
+                <a:latin typeface="新宋体" panose="02010609030101010101" pitchFamily="49" charset="-122"/>
+                <a:ea typeface="新宋体" panose="02010609030101010101" pitchFamily="49" charset="-122"/>
+              </a:rPr>
+              <a:t>char</a:t>
+            </a:r>
+            <a:r>
+              <a:rPr lang="en-US" altLang="zh-CN" sz="1200" dirty="0">
+                <a:solidFill>
+                  <a:srgbClr val="000000"/>
+                </a:solidFill>
+                <a:latin typeface="新宋体" panose="02010609030101010101" pitchFamily="49" charset="-122"/>
+                <a:ea typeface="新宋体" panose="02010609030101010101" pitchFamily="49" charset="-122"/>
+              </a:rPr>
+              <a:t> *</a:t>
+            </a:r>
+            <a:r>
+              <a:rPr lang="en-US" altLang="zh-CN" sz="1200" dirty="0" err="1">
+                <a:solidFill>
+                  <a:srgbClr val="808080"/>
+                </a:solidFill>
+                <a:latin typeface="新宋体" panose="02010609030101010101" pitchFamily="49" charset="-122"/>
+                <a:ea typeface="新宋体" panose="02010609030101010101" pitchFamily="49" charset="-122"/>
+              </a:rPr>
+              <a:t>prestr</a:t>
+            </a:r>
+            <a:r>
+              <a:rPr lang="en-US" altLang="zh-CN" sz="1200" dirty="0">
+                <a:solidFill>
+                  <a:srgbClr val="000000"/>
+                </a:solidFill>
+                <a:latin typeface="新宋体" panose="02010609030101010101" pitchFamily="49" charset="-122"/>
+                <a:ea typeface="新宋体" panose="02010609030101010101" pitchFamily="49" charset="-122"/>
+              </a:rPr>
+              <a:t>, </a:t>
+            </a:r>
+            <a:r>
+              <a:rPr lang="en-US" altLang="zh-CN" sz="1200" dirty="0">
+                <a:solidFill>
+                  <a:srgbClr val="0000FF"/>
+                </a:solidFill>
+                <a:latin typeface="新宋体" panose="02010609030101010101" pitchFamily="49" charset="-122"/>
+                <a:ea typeface="新宋体" panose="02010609030101010101" pitchFamily="49" charset="-122"/>
+              </a:rPr>
+              <a:t>const</a:t>
+            </a:r>
+            <a:r>
+              <a:rPr lang="en-US" altLang="zh-CN" sz="1200" dirty="0">
+                <a:solidFill>
+                  <a:srgbClr val="000000"/>
+                </a:solidFill>
+                <a:latin typeface="新宋体" panose="02010609030101010101" pitchFamily="49" charset="-122"/>
+                <a:ea typeface="新宋体" panose="02010609030101010101" pitchFamily="49" charset="-122"/>
+              </a:rPr>
+              <a:t> </a:t>
+            </a:r>
+            <a:r>
+              <a:rPr lang="en-US" altLang="zh-CN" sz="1200" dirty="0">
+                <a:solidFill>
+                  <a:srgbClr val="0000FF"/>
+                </a:solidFill>
+                <a:latin typeface="新宋体" panose="02010609030101010101" pitchFamily="49" charset="-122"/>
+                <a:ea typeface="新宋体" panose="02010609030101010101" pitchFamily="49" charset="-122"/>
+              </a:rPr>
+              <a:t>char</a:t>
+            </a:r>
+            <a:r>
+              <a:rPr lang="en-US" altLang="zh-CN" sz="1200" dirty="0">
+                <a:solidFill>
+                  <a:srgbClr val="000000"/>
+                </a:solidFill>
+                <a:latin typeface="新宋体" panose="02010609030101010101" pitchFamily="49" charset="-122"/>
+                <a:ea typeface="新宋体" panose="02010609030101010101" pitchFamily="49" charset="-122"/>
+              </a:rPr>
+              <a:t> *</a:t>
+            </a:r>
+            <a:r>
+              <a:rPr lang="en-US" altLang="zh-CN" sz="1200" dirty="0" err="1">
+                <a:solidFill>
+                  <a:srgbClr val="808080"/>
+                </a:solidFill>
+                <a:latin typeface="新宋体" panose="02010609030101010101" pitchFamily="49" charset="-122"/>
+                <a:ea typeface="新宋体" panose="02010609030101010101" pitchFamily="49" charset="-122"/>
+              </a:rPr>
+              <a:t>midstr</a:t>
+            </a:r>
+            <a:r>
+              <a:rPr lang="en-US" altLang="zh-CN" sz="1200" dirty="0">
+                <a:solidFill>
+                  <a:srgbClr val="000000"/>
+                </a:solidFill>
+                <a:latin typeface="新宋体" panose="02010609030101010101" pitchFamily="49" charset="-122"/>
+                <a:ea typeface="新宋体" panose="02010609030101010101" pitchFamily="49" charset="-122"/>
+              </a:rPr>
+              <a:t>, </a:t>
+            </a:r>
+            <a:r>
+              <a:rPr lang="en-US" altLang="zh-CN" sz="1200" dirty="0">
+                <a:solidFill>
+                  <a:srgbClr val="0000FF"/>
+                </a:solidFill>
+                <a:latin typeface="新宋体" panose="02010609030101010101" pitchFamily="49" charset="-122"/>
+                <a:ea typeface="新宋体" panose="02010609030101010101" pitchFamily="49" charset="-122"/>
+              </a:rPr>
+              <a:t>int</a:t>
+            </a:r>
+            <a:r>
+              <a:rPr lang="en-US" altLang="zh-CN" sz="1200" dirty="0">
+                <a:solidFill>
+                  <a:srgbClr val="000000"/>
+                </a:solidFill>
+                <a:latin typeface="新宋体" panose="02010609030101010101" pitchFamily="49" charset="-122"/>
+                <a:ea typeface="新宋体" panose="02010609030101010101" pitchFamily="49" charset="-122"/>
+              </a:rPr>
+              <a:t> </a:t>
+            </a:r>
+            <a:r>
+              <a:rPr lang="en-US" altLang="zh-CN" sz="1200" dirty="0">
+                <a:solidFill>
+                  <a:srgbClr val="808080"/>
+                </a:solidFill>
+                <a:latin typeface="新宋体" panose="02010609030101010101" pitchFamily="49" charset="-122"/>
+                <a:ea typeface="新宋体" panose="02010609030101010101" pitchFamily="49" charset="-122"/>
+              </a:rPr>
+              <a:t>n</a:t>
+            </a:r>
+            <a:r>
+              <a:rPr lang="en-US" altLang="zh-CN" sz="1200" dirty="0">
+                <a:solidFill>
+                  <a:srgbClr val="000000"/>
+                </a:solidFill>
+                <a:latin typeface="新宋体" panose="02010609030101010101" pitchFamily="49" charset="-122"/>
+                <a:ea typeface="新宋体" panose="02010609030101010101" pitchFamily="49" charset="-122"/>
+              </a:rPr>
+              <a:t>)</a:t>
+            </a:r>
+          </a:p>
+          <a:p>
+            <a:r>
+              <a:rPr lang="en-US" altLang="zh-CN" sz="1200" dirty="0">
+                <a:solidFill>
+                  <a:srgbClr val="000000"/>
+                </a:solidFill>
+                <a:latin typeface="新宋体" panose="02010609030101010101" pitchFamily="49" charset="-122"/>
+                <a:ea typeface="新宋体" panose="02010609030101010101" pitchFamily="49" charset="-122"/>
+              </a:rPr>
+              <a:t>{</a:t>
+            </a:r>
+          </a:p>
+          <a:p>
+            <a:pPr lvl="1"/>
+            <a:r>
+              <a:rPr lang="en-US" altLang="zh-CN" sz="1200" dirty="0">
+                <a:solidFill>
+                  <a:srgbClr val="0000FF"/>
+                </a:solidFill>
+                <a:latin typeface="新宋体" panose="02010609030101010101" pitchFamily="49" charset="-122"/>
+                <a:ea typeface="新宋体" panose="02010609030101010101" pitchFamily="49" charset="-122"/>
+              </a:rPr>
+              <a:t>if</a:t>
+            </a:r>
+            <a:r>
+              <a:rPr lang="en-US" altLang="zh-CN" sz="1200" dirty="0">
+                <a:solidFill>
+                  <a:srgbClr val="000000"/>
+                </a:solidFill>
+                <a:latin typeface="新宋体" panose="02010609030101010101" pitchFamily="49" charset="-122"/>
+                <a:ea typeface="新宋体" panose="02010609030101010101" pitchFamily="49" charset="-122"/>
+              </a:rPr>
+              <a:t> (</a:t>
+            </a:r>
+            <a:r>
+              <a:rPr lang="en-US" altLang="zh-CN" sz="1200" dirty="0">
+                <a:solidFill>
+                  <a:srgbClr val="808080"/>
+                </a:solidFill>
+                <a:latin typeface="新宋体" panose="02010609030101010101" pitchFamily="49" charset="-122"/>
+                <a:ea typeface="新宋体" panose="02010609030101010101" pitchFamily="49" charset="-122"/>
+              </a:rPr>
+              <a:t>n</a:t>
+            </a:r>
+            <a:r>
+              <a:rPr lang="en-US" altLang="zh-CN" sz="1200" dirty="0">
+                <a:solidFill>
+                  <a:srgbClr val="000000"/>
+                </a:solidFill>
+                <a:latin typeface="新宋体" panose="02010609030101010101" pitchFamily="49" charset="-122"/>
+                <a:ea typeface="新宋体" panose="02010609030101010101" pitchFamily="49" charset="-122"/>
+              </a:rPr>
+              <a:t> &lt;= 0) </a:t>
+            </a:r>
+            <a:r>
+              <a:rPr lang="en-US" altLang="zh-CN" sz="1200" dirty="0">
+                <a:solidFill>
+                  <a:srgbClr val="0000FF"/>
+                </a:solidFill>
+                <a:latin typeface="新宋体" panose="02010609030101010101" pitchFamily="49" charset="-122"/>
+                <a:ea typeface="新宋体" panose="02010609030101010101" pitchFamily="49" charset="-122"/>
+              </a:rPr>
+              <a:t>return</a:t>
+            </a:r>
+            <a:r>
+              <a:rPr lang="en-US" altLang="zh-CN" sz="1200" dirty="0">
+                <a:solidFill>
+                  <a:srgbClr val="000000"/>
+                </a:solidFill>
+                <a:latin typeface="新宋体" panose="02010609030101010101" pitchFamily="49" charset="-122"/>
+                <a:ea typeface="新宋体" panose="02010609030101010101" pitchFamily="49" charset="-122"/>
+              </a:rPr>
+              <a:t> </a:t>
+            </a:r>
+            <a:r>
+              <a:rPr lang="en-US" altLang="zh-CN" sz="1200" dirty="0" err="1">
+                <a:solidFill>
+                  <a:srgbClr val="0000FF"/>
+                </a:solidFill>
+                <a:latin typeface="新宋体" panose="02010609030101010101" pitchFamily="49" charset="-122"/>
+                <a:ea typeface="新宋体" panose="02010609030101010101" pitchFamily="49" charset="-122"/>
+              </a:rPr>
+              <a:t>nullptr</a:t>
+            </a:r>
+            <a:r>
+              <a:rPr lang="en-US" altLang="zh-CN" sz="1200" dirty="0">
+                <a:solidFill>
+                  <a:srgbClr val="000000"/>
+                </a:solidFill>
+                <a:latin typeface="新宋体" panose="02010609030101010101" pitchFamily="49" charset="-122"/>
+                <a:ea typeface="新宋体" panose="02010609030101010101" pitchFamily="49" charset="-122"/>
+              </a:rPr>
+              <a:t>;</a:t>
+            </a:r>
+          </a:p>
+          <a:p>
+            <a:pPr lvl="1"/>
+            <a:endParaRPr lang="en-US" altLang="zh-CN" sz="1200" dirty="0">
+              <a:solidFill>
+                <a:srgbClr val="008000"/>
+              </a:solidFill>
+              <a:latin typeface="新宋体" panose="02010609030101010101" pitchFamily="49" charset="-122"/>
+              <a:ea typeface="新宋体" panose="02010609030101010101" pitchFamily="49" charset="-122"/>
+            </a:endParaRPr>
+          </a:p>
+          <a:p>
+            <a:pPr lvl="1"/>
+            <a:r>
+              <a:rPr lang="en-US" altLang="zh-CN" sz="1200" dirty="0">
+                <a:solidFill>
+                  <a:srgbClr val="008000"/>
+                </a:solidFill>
+                <a:latin typeface="新宋体" panose="02010609030101010101" pitchFamily="49" charset="-122"/>
+                <a:ea typeface="新宋体" panose="02010609030101010101" pitchFamily="49" charset="-122"/>
+              </a:rPr>
+              <a:t>// </a:t>
+            </a:r>
+            <a:r>
+              <a:rPr lang="zh-CN" altLang="en-US" sz="1200" dirty="0">
+                <a:solidFill>
+                  <a:srgbClr val="008000"/>
+                </a:solidFill>
+                <a:latin typeface="新宋体" panose="02010609030101010101" pitchFamily="49" charset="-122"/>
+                <a:ea typeface="新宋体" panose="02010609030101010101" pitchFamily="49" charset="-122"/>
+              </a:rPr>
+              <a:t>创建根结点</a:t>
+            </a:r>
+            <a:endParaRPr lang="zh-CN" altLang="en-US" sz="1200" dirty="0">
+              <a:solidFill>
+                <a:srgbClr val="000000"/>
+              </a:solidFill>
+              <a:latin typeface="新宋体" panose="02010609030101010101" pitchFamily="49" charset="-122"/>
+              <a:ea typeface="新宋体" panose="02010609030101010101" pitchFamily="49" charset="-122"/>
+            </a:endParaRPr>
+          </a:p>
+          <a:p>
+            <a:pPr lvl="1"/>
+            <a:r>
+              <a:rPr lang="en-US" altLang="zh-CN" sz="1200" dirty="0" err="1">
+                <a:solidFill>
+                  <a:srgbClr val="2B91AF"/>
+                </a:solidFill>
+                <a:latin typeface="新宋体" panose="02010609030101010101" pitchFamily="49" charset="-122"/>
+                <a:ea typeface="新宋体" panose="02010609030101010101" pitchFamily="49" charset="-122"/>
+              </a:rPr>
+              <a:t>BiTree</a:t>
+            </a:r>
+            <a:r>
+              <a:rPr lang="en-US" altLang="zh-CN" sz="1200" dirty="0">
+                <a:solidFill>
+                  <a:srgbClr val="000000"/>
+                </a:solidFill>
+                <a:latin typeface="新宋体" panose="02010609030101010101" pitchFamily="49" charset="-122"/>
+                <a:ea typeface="新宋体" panose="02010609030101010101" pitchFamily="49" charset="-122"/>
+              </a:rPr>
+              <a:t> T = </a:t>
+            </a:r>
+            <a:r>
+              <a:rPr lang="en-US" altLang="zh-CN" sz="1200" dirty="0">
+                <a:solidFill>
+                  <a:srgbClr val="0000FF"/>
+                </a:solidFill>
+                <a:latin typeface="新宋体" panose="02010609030101010101" pitchFamily="49" charset="-122"/>
+                <a:ea typeface="新宋体" panose="02010609030101010101" pitchFamily="49" charset="-122"/>
+              </a:rPr>
+              <a:t>new</a:t>
+            </a:r>
+            <a:r>
+              <a:rPr lang="en-US" altLang="zh-CN" sz="1200" dirty="0">
+                <a:solidFill>
+                  <a:srgbClr val="000000"/>
+                </a:solidFill>
+                <a:latin typeface="新宋体" panose="02010609030101010101" pitchFamily="49" charset="-122"/>
+                <a:ea typeface="新宋体" panose="02010609030101010101" pitchFamily="49" charset="-122"/>
+              </a:rPr>
+              <a:t> </a:t>
+            </a:r>
+            <a:r>
+              <a:rPr lang="en-US" altLang="zh-CN" sz="1200" dirty="0" err="1">
+                <a:solidFill>
+                  <a:srgbClr val="2B91AF"/>
+                </a:solidFill>
+                <a:latin typeface="新宋体" panose="02010609030101010101" pitchFamily="49" charset="-122"/>
+                <a:ea typeface="新宋体" panose="02010609030101010101" pitchFamily="49" charset="-122"/>
+              </a:rPr>
+              <a:t>BiNode</a:t>
+            </a:r>
+            <a:r>
+              <a:rPr lang="en-US" altLang="zh-CN" sz="1200" dirty="0">
+                <a:solidFill>
+                  <a:srgbClr val="000000"/>
+                </a:solidFill>
+                <a:latin typeface="新宋体" panose="02010609030101010101" pitchFamily="49" charset="-122"/>
+                <a:ea typeface="新宋体" panose="02010609030101010101" pitchFamily="49" charset="-122"/>
+              </a:rPr>
+              <a:t>;</a:t>
+            </a:r>
+          </a:p>
+          <a:p>
+            <a:pPr lvl="1"/>
+            <a:r>
+              <a:rPr lang="en-US" altLang="zh-CN" sz="1200" dirty="0">
+                <a:solidFill>
+                  <a:srgbClr val="000000"/>
+                </a:solidFill>
+                <a:latin typeface="新宋体" panose="02010609030101010101" pitchFamily="49" charset="-122"/>
+                <a:ea typeface="新宋体" panose="02010609030101010101" pitchFamily="49" charset="-122"/>
+              </a:rPr>
+              <a:t>T-&gt;data = *</a:t>
+            </a:r>
+            <a:r>
+              <a:rPr lang="en-US" altLang="zh-CN" sz="1200" dirty="0" err="1">
+                <a:solidFill>
+                  <a:srgbClr val="808080"/>
+                </a:solidFill>
+                <a:latin typeface="新宋体" panose="02010609030101010101" pitchFamily="49" charset="-122"/>
+                <a:ea typeface="新宋体" panose="02010609030101010101" pitchFamily="49" charset="-122"/>
+              </a:rPr>
+              <a:t>prestr</a:t>
+            </a:r>
+            <a:r>
+              <a:rPr lang="en-US" altLang="zh-CN" sz="1200" dirty="0">
+                <a:solidFill>
+                  <a:srgbClr val="000000"/>
+                </a:solidFill>
+                <a:latin typeface="新宋体" panose="02010609030101010101" pitchFamily="49" charset="-122"/>
+                <a:ea typeface="新宋体" panose="02010609030101010101" pitchFamily="49" charset="-122"/>
+              </a:rPr>
+              <a:t>;</a:t>
+            </a:r>
+          </a:p>
+          <a:p>
+            <a:pPr lvl="1"/>
+            <a:endParaRPr lang="zh-CN" altLang="en-US" sz="1200" dirty="0">
+              <a:solidFill>
+                <a:srgbClr val="000000"/>
+              </a:solidFill>
+              <a:latin typeface="新宋体" panose="02010609030101010101" pitchFamily="49" charset="-122"/>
+              <a:ea typeface="新宋体" panose="02010609030101010101" pitchFamily="49" charset="-122"/>
+            </a:endParaRPr>
+          </a:p>
+          <a:p>
+            <a:pPr lvl="1"/>
+            <a:r>
+              <a:rPr lang="en-US" altLang="zh-CN" sz="1200" dirty="0">
+                <a:solidFill>
+                  <a:srgbClr val="008000"/>
+                </a:solidFill>
+                <a:latin typeface="新宋体" panose="02010609030101010101" pitchFamily="49" charset="-122"/>
+                <a:ea typeface="新宋体" panose="02010609030101010101" pitchFamily="49" charset="-122"/>
+              </a:rPr>
+              <a:t>// </a:t>
+            </a:r>
+            <a:r>
+              <a:rPr lang="zh-CN" altLang="en-US" sz="1200" dirty="0">
+                <a:solidFill>
+                  <a:srgbClr val="008000"/>
+                </a:solidFill>
+                <a:latin typeface="新宋体" panose="02010609030101010101" pitchFamily="49" charset="-122"/>
+                <a:ea typeface="新宋体" panose="02010609030101010101" pitchFamily="49" charset="-122"/>
+              </a:rPr>
+              <a:t>在中序遍历序列中确定根结点的位置</a:t>
+            </a:r>
+            <a:r>
+              <a:rPr lang="en-US" altLang="zh-CN" sz="1200" dirty="0">
+                <a:solidFill>
+                  <a:srgbClr val="008000"/>
+                </a:solidFill>
+                <a:latin typeface="新宋体" panose="02010609030101010101" pitchFamily="49" charset="-122"/>
+                <a:ea typeface="新宋体" panose="02010609030101010101" pitchFamily="49" charset="-122"/>
+              </a:rPr>
+              <a:t>(</a:t>
+            </a:r>
+            <a:r>
+              <a:rPr lang="zh-CN" altLang="en-US" sz="1200" dirty="0">
+                <a:solidFill>
+                  <a:srgbClr val="008000"/>
+                </a:solidFill>
+                <a:latin typeface="新宋体" panose="02010609030101010101" pitchFamily="49" charset="-122"/>
+                <a:ea typeface="新宋体" panose="02010609030101010101" pitchFamily="49" charset="-122"/>
+              </a:rPr>
+              <a:t>假定输入没有错误</a:t>
+            </a:r>
+            <a:r>
+              <a:rPr lang="en-US" altLang="zh-CN" sz="1200" dirty="0">
+                <a:solidFill>
+                  <a:srgbClr val="008000"/>
+                </a:solidFill>
+                <a:latin typeface="新宋体" panose="02010609030101010101" pitchFamily="49" charset="-122"/>
+                <a:ea typeface="新宋体" panose="02010609030101010101" pitchFamily="49" charset="-122"/>
+              </a:rPr>
+              <a:t>)</a:t>
+            </a:r>
+            <a:endParaRPr lang="zh-CN" altLang="en-US" sz="1200" dirty="0">
+              <a:solidFill>
+                <a:srgbClr val="000000"/>
+              </a:solidFill>
+              <a:latin typeface="新宋体" panose="02010609030101010101" pitchFamily="49" charset="-122"/>
+              <a:ea typeface="新宋体" panose="02010609030101010101" pitchFamily="49" charset="-122"/>
+            </a:endParaRPr>
+          </a:p>
+          <a:p>
+            <a:pPr lvl="1"/>
+            <a:r>
+              <a:rPr lang="en-US" altLang="zh-CN" sz="1200" dirty="0">
+                <a:solidFill>
+                  <a:srgbClr val="0000FF"/>
+                </a:solidFill>
+                <a:latin typeface="新宋体" panose="02010609030101010101" pitchFamily="49" charset="-122"/>
+                <a:ea typeface="新宋体" panose="02010609030101010101" pitchFamily="49" charset="-122"/>
+              </a:rPr>
+              <a:t>int</a:t>
+            </a:r>
+            <a:r>
+              <a:rPr lang="en-US" altLang="zh-CN" sz="1200" dirty="0">
+                <a:solidFill>
+                  <a:srgbClr val="000000"/>
+                </a:solidFill>
+                <a:latin typeface="新宋体" panose="02010609030101010101" pitchFamily="49" charset="-122"/>
+                <a:ea typeface="新宋体" panose="02010609030101010101" pitchFamily="49" charset="-122"/>
+              </a:rPr>
+              <a:t> </a:t>
+            </a:r>
+            <a:r>
+              <a:rPr lang="en-US" altLang="zh-CN" sz="1200" dirty="0" err="1">
+                <a:solidFill>
+                  <a:srgbClr val="000000"/>
+                </a:solidFill>
+                <a:latin typeface="新宋体" panose="02010609030101010101" pitchFamily="49" charset="-122"/>
+                <a:ea typeface="新宋体" panose="02010609030101010101" pitchFamily="49" charset="-122"/>
+              </a:rPr>
+              <a:t>rootpos</a:t>
+            </a:r>
+            <a:r>
+              <a:rPr lang="en-US" altLang="zh-CN" sz="1200" dirty="0">
+                <a:solidFill>
+                  <a:srgbClr val="000000"/>
+                </a:solidFill>
+                <a:latin typeface="新宋体" panose="02010609030101010101" pitchFamily="49" charset="-122"/>
+                <a:ea typeface="新宋体" panose="02010609030101010101" pitchFamily="49" charset="-122"/>
+              </a:rPr>
+              <a:t> = -1;</a:t>
+            </a:r>
+          </a:p>
+          <a:p>
+            <a:pPr lvl="1"/>
+            <a:r>
+              <a:rPr lang="nn-NO" altLang="zh-CN" sz="1200" dirty="0">
+                <a:solidFill>
+                  <a:srgbClr val="0000FF"/>
+                </a:solidFill>
+                <a:latin typeface="新宋体" panose="02010609030101010101" pitchFamily="49" charset="-122"/>
+                <a:ea typeface="新宋体" panose="02010609030101010101" pitchFamily="49" charset="-122"/>
+              </a:rPr>
+              <a:t>for</a:t>
+            </a:r>
+            <a:r>
+              <a:rPr lang="nn-NO" altLang="zh-CN" sz="1200" dirty="0">
+                <a:solidFill>
+                  <a:srgbClr val="000000"/>
+                </a:solidFill>
+                <a:latin typeface="新宋体" panose="02010609030101010101" pitchFamily="49" charset="-122"/>
+                <a:ea typeface="新宋体" panose="02010609030101010101" pitchFamily="49" charset="-122"/>
+              </a:rPr>
+              <a:t> (</a:t>
+            </a:r>
+            <a:r>
+              <a:rPr lang="nn-NO" altLang="zh-CN" sz="1200" dirty="0">
+                <a:solidFill>
+                  <a:srgbClr val="0000FF"/>
+                </a:solidFill>
+                <a:latin typeface="新宋体" panose="02010609030101010101" pitchFamily="49" charset="-122"/>
+                <a:ea typeface="新宋体" panose="02010609030101010101" pitchFamily="49" charset="-122"/>
+              </a:rPr>
+              <a:t>int</a:t>
+            </a:r>
+            <a:r>
+              <a:rPr lang="nn-NO" altLang="zh-CN" sz="1200" dirty="0">
+                <a:solidFill>
+                  <a:srgbClr val="000000"/>
+                </a:solidFill>
+                <a:latin typeface="新宋体" panose="02010609030101010101" pitchFamily="49" charset="-122"/>
+                <a:ea typeface="新宋体" panose="02010609030101010101" pitchFamily="49" charset="-122"/>
+              </a:rPr>
+              <a:t> i = 0; i &lt; </a:t>
+            </a:r>
+            <a:r>
+              <a:rPr lang="nn-NO" altLang="zh-CN" sz="1200" dirty="0">
+                <a:solidFill>
+                  <a:srgbClr val="808080"/>
+                </a:solidFill>
+                <a:latin typeface="新宋体" panose="02010609030101010101" pitchFamily="49" charset="-122"/>
+                <a:ea typeface="新宋体" panose="02010609030101010101" pitchFamily="49" charset="-122"/>
+              </a:rPr>
+              <a:t>n</a:t>
+            </a:r>
+            <a:r>
+              <a:rPr lang="nn-NO" altLang="zh-CN" sz="1200" dirty="0">
+                <a:solidFill>
+                  <a:srgbClr val="000000"/>
+                </a:solidFill>
+                <a:latin typeface="新宋体" panose="02010609030101010101" pitchFamily="49" charset="-122"/>
+                <a:ea typeface="新宋体" panose="02010609030101010101" pitchFamily="49" charset="-122"/>
+              </a:rPr>
+              <a:t>; i++)</a:t>
+            </a:r>
+          </a:p>
+          <a:p>
+            <a:pPr lvl="1"/>
+            <a:r>
+              <a:rPr lang="en-US" altLang="zh-CN" sz="1200" dirty="0">
+                <a:solidFill>
+                  <a:srgbClr val="000000"/>
+                </a:solidFill>
+                <a:latin typeface="新宋体" panose="02010609030101010101" pitchFamily="49" charset="-122"/>
+                <a:ea typeface="新宋体" panose="02010609030101010101" pitchFamily="49" charset="-122"/>
+              </a:rPr>
+              <a:t>{</a:t>
+            </a:r>
+          </a:p>
+          <a:p>
+            <a:pPr lvl="2"/>
+            <a:r>
+              <a:rPr lang="en-US" altLang="zh-CN" sz="1200" dirty="0">
+                <a:solidFill>
+                  <a:srgbClr val="0000FF"/>
+                </a:solidFill>
+                <a:latin typeface="新宋体" panose="02010609030101010101" pitchFamily="49" charset="-122"/>
+                <a:ea typeface="新宋体" panose="02010609030101010101" pitchFamily="49" charset="-122"/>
+              </a:rPr>
+              <a:t>if</a:t>
+            </a:r>
+            <a:r>
+              <a:rPr lang="en-US" altLang="zh-CN" sz="1200" dirty="0">
+                <a:solidFill>
+                  <a:srgbClr val="000000"/>
+                </a:solidFill>
+                <a:latin typeface="新宋体" panose="02010609030101010101" pitchFamily="49" charset="-122"/>
+                <a:ea typeface="新宋体" panose="02010609030101010101" pitchFamily="49" charset="-122"/>
+              </a:rPr>
+              <a:t> (</a:t>
+            </a:r>
+            <a:r>
+              <a:rPr lang="en-US" altLang="zh-CN" sz="1200" dirty="0" err="1">
+                <a:solidFill>
+                  <a:srgbClr val="808080"/>
+                </a:solidFill>
+                <a:latin typeface="新宋体" panose="02010609030101010101" pitchFamily="49" charset="-122"/>
+                <a:ea typeface="新宋体" panose="02010609030101010101" pitchFamily="49" charset="-122"/>
+              </a:rPr>
+              <a:t>midstr</a:t>
+            </a:r>
+            <a:r>
+              <a:rPr lang="en-US" altLang="zh-CN" sz="1200" dirty="0">
+                <a:solidFill>
+                  <a:srgbClr val="000000"/>
+                </a:solidFill>
+                <a:latin typeface="新宋体" panose="02010609030101010101" pitchFamily="49" charset="-122"/>
+                <a:ea typeface="新宋体" panose="02010609030101010101" pitchFamily="49" charset="-122"/>
+              </a:rPr>
+              <a:t>[i] == *</a:t>
+            </a:r>
+            <a:r>
+              <a:rPr lang="en-US" altLang="zh-CN" sz="1200" dirty="0" err="1">
+                <a:solidFill>
+                  <a:srgbClr val="808080"/>
+                </a:solidFill>
+                <a:latin typeface="新宋体" panose="02010609030101010101" pitchFamily="49" charset="-122"/>
+                <a:ea typeface="新宋体" panose="02010609030101010101" pitchFamily="49" charset="-122"/>
+              </a:rPr>
+              <a:t>prestr</a:t>
+            </a:r>
+            <a:r>
+              <a:rPr lang="en-US" altLang="zh-CN" sz="1200" dirty="0">
+                <a:solidFill>
+                  <a:srgbClr val="000000"/>
+                </a:solidFill>
+                <a:latin typeface="新宋体" panose="02010609030101010101" pitchFamily="49" charset="-122"/>
+                <a:ea typeface="新宋体" panose="02010609030101010101" pitchFamily="49" charset="-122"/>
+              </a:rPr>
+              <a:t>)</a:t>
+            </a:r>
+          </a:p>
+          <a:p>
+            <a:pPr lvl="2"/>
+            <a:r>
+              <a:rPr lang="en-US" altLang="zh-CN" sz="1200" dirty="0">
+                <a:solidFill>
+                  <a:srgbClr val="000000"/>
+                </a:solidFill>
+                <a:latin typeface="新宋体" panose="02010609030101010101" pitchFamily="49" charset="-122"/>
+                <a:ea typeface="新宋体" panose="02010609030101010101" pitchFamily="49" charset="-122"/>
+              </a:rPr>
+              <a:t>{</a:t>
+            </a:r>
+          </a:p>
+          <a:p>
+            <a:pPr lvl="3"/>
+            <a:r>
+              <a:rPr lang="en-US" altLang="zh-CN" sz="1200" dirty="0" err="1">
+                <a:solidFill>
+                  <a:srgbClr val="000000"/>
+                </a:solidFill>
+                <a:latin typeface="新宋体" panose="02010609030101010101" pitchFamily="49" charset="-122"/>
+                <a:ea typeface="新宋体" panose="02010609030101010101" pitchFamily="49" charset="-122"/>
+              </a:rPr>
+              <a:t>rootpos</a:t>
+            </a:r>
+            <a:r>
+              <a:rPr lang="en-US" altLang="zh-CN" sz="1200" dirty="0">
+                <a:solidFill>
+                  <a:srgbClr val="000000"/>
+                </a:solidFill>
+                <a:latin typeface="新宋体" panose="02010609030101010101" pitchFamily="49" charset="-122"/>
+                <a:ea typeface="新宋体" panose="02010609030101010101" pitchFamily="49" charset="-122"/>
+              </a:rPr>
+              <a:t> = i;</a:t>
+            </a:r>
+          </a:p>
+          <a:p>
+            <a:pPr lvl="3"/>
+            <a:r>
+              <a:rPr lang="en-US" altLang="zh-CN" sz="1200" dirty="0">
+                <a:solidFill>
+                  <a:srgbClr val="0000FF"/>
+                </a:solidFill>
+                <a:latin typeface="新宋体" panose="02010609030101010101" pitchFamily="49" charset="-122"/>
+                <a:ea typeface="新宋体" panose="02010609030101010101" pitchFamily="49" charset="-122"/>
+              </a:rPr>
+              <a:t>break</a:t>
+            </a:r>
+            <a:r>
+              <a:rPr lang="en-US" altLang="zh-CN" sz="1200" dirty="0">
+                <a:solidFill>
+                  <a:srgbClr val="000000"/>
+                </a:solidFill>
+                <a:latin typeface="新宋体" panose="02010609030101010101" pitchFamily="49" charset="-122"/>
+                <a:ea typeface="新宋体" panose="02010609030101010101" pitchFamily="49" charset="-122"/>
+              </a:rPr>
+              <a:t>;</a:t>
+            </a:r>
+          </a:p>
+          <a:p>
+            <a:pPr lvl="2"/>
+            <a:r>
+              <a:rPr lang="en-US" altLang="zh-CN" sz="1200" dirty="0">
+                <a:solidFill>
+                  <a:srgbClr val="000000"/>
+                </a:solidFill>
+                <a:latin typeface="新宋体" panose="02010609030101010101" pitchFamily="49" charset="-122"/>
+                <a:ea typeface="新宋体" panose="02010609030101010101" pitchFamily="49" charset="-122"/>
+              </a:rPr>
+              <a:t>}</a:t>
+            </a:r>
+          </a:p>
+          <a:p>
+            <a:pPr lvl="1"/>
+            <a:r>
+              <a:rPr lang="en-US" altLang="zh-CN" sz="1200" dirty="0">
+                <a:solidFill>
+                  <a:srgbClr val="000000"/>
+                </a:solidFill>
+                <a:latin typeface="新宋体" panose="02010609030101010101" pitchFamily="49" charset="-122"/>
+                <a:ea typeface="新宋体" panose="02010609030101010101" pitchFamily="49" charset="-122"/>
+              </a:rPr>
+              <a:t>}</a:t>
+            </a:r>
+          </a:p>
+          <a:p>
+            <a:pPr lvl="1"/>
+            <a:endParaRPr lang="zh-CN" altLang="en-US" sz="1200" dirty="0">
+              <a:solidFill>
+                <a:srgbClr val="000000"/>
+              </a:solidFill>
+              <a:latin typeface="新宋体" panose="02010609030101010101" pitchFamily="49" charset="-122"/>
+              <a:ea typeface="新宋体" panose="02010609030101010101" pitchFamily="49" charset="-122"/>
+            </a:endParaRPr>
+          </a:p>
+          <a:p>
+            <a:pPr lvl="1"/>
+            <a:r>
+              <a:rPr lang="en-US" altLang="zh-CN" sz="1200" dirty="0">
+                <a:solidFill>
+                  <a:srgbClr val="008000"/>
+                </a:solidFill>
+                <a:latin typeface="新宋体" panose="02010609030101010101" pitchFamily="49" charset="-122"/>
+                <a:ea typeface="新宋体" panose="02010609030101010101" pitchFamily="49" charset="-122"/>
+              </a:rPr>
+              <a:t>// </a:t>
+            </a:r>
+            <a:r>
+              <a:rPr lang="zh-CN" altLang="en-US" sz="1200" dirty="0">
+                <a:solidFill>
+                  <a:srgbClr val="008000"/>
+                </a:solidFill>
+                <a:latin typeface="新宋体" panose="02010609030101010101" pitchFamily="49" charset="-122"/>
+                <a:ea typeface="新宋体" panose="02010609030101010101" pitchFamily="49" charset="-122"/>
+              </a:rPr>
+              <a:t>分别创建左子树和右子树</a:t>
+            </a:r>
+            <a:endParaRPr lang="zh-CN" altLang="en-US" sz="1200" dirty="0">
+              <a:solidFill>
+                <a:srgbClr val="000000"/>
+              </a:solidFill>
+              <a:latin typeface="新宋体" panose="02010609030101010101" pitchFamily="49" charset="-122"/>
+              <a:ea typeface="新宋体" panose="02010609030101010101" pitchFamily="49" charset="-122"/>
+            </a:endParaRPr>
+          </a:p>
+          <a:p>
+            <a:pPr lvl="1"/>
+            <a:r>
+              <a:rPr lang="en-US" altLang="zh-CN" sz="1200" dirty="0">
+                <a:solidFill>
+                  <a:srgbClr val="000000"/>
+                </a:solidFill>
+                <a:latin typeface="新宋体" panose="02010609030101010101" pitchFamily="49" charset="-122"/>
+                <a:ea typeface="新宋体" panose="02010609030101010101" pitchFamily="49" charset="-122"/>
+              </a:rPr>
+              <a:t>T-&gt;</a:t>
+            </a:r>
+            <a:r>
+              <a:rPr lang="en-US" altLang="zh-CN" sz="1200" dirty="0" err="1">
+                <a:solidFill>
+                  <a:srgbClr val="000000"/>
+                </a:solidFill>
+                <a:latin typeface="新宋体" panose="02010609030101010101" pitchFamily="49" charset="-122"/>
+                <a:ea typeface="新宋体" panose="02010609030101010101" pitchFamily="49" charset="-122"/>
+              </a:rPr>
+              <a:t>lchild</a:t>
+            </a:r>
+            <a:r>
+              <a:rPr lang="en-US" altLang="zh-CN" sz="1200" dirty="0">
+                <a:solidFill>
+                  <a:srgbClr val="000000"/>
+                </a:solidFill>
+                <a:latin typeface="新宋体" panose="02010609030101010101" pitchFamily="49" charset="-122"/>
+                <a:ea typeface="新宋体" panose="02010609030101010101" pitchFamily="49" charset="-122"/>
+              </a:rPr>
+              <a:t> = </a:t>
+            </a:r>
+            <a:r>
+              <a:rPr lang="en-US" altLang="zh-CN" sz="1200" dirty="0" err="1">
+                <a:solidFill>
+                  <a:srgbClr val="000000"/>
+                </a:solidFill>
+                <a:latin typeface="新宋体" panose="02010609030101010101" pitchFamily="49" charset="-122"/>
+                <a:ea typeface="新宋体" panose="02010609030101010101" pitchFamily="49" charset="-122"/>
+              </a:rPr>
+              <a:t>CreateBiTree</a:t>
+            </a:r>
+            <a:r>
+              <a:rPr lang="en-US" altLang="zh-CN" sz="1200" dirty="0">
+                <a:solidFill>
+                  <a:srgbClr val="000000"/>
+                </a:solidFill>
+                <a:latin typeface="新宋体" panose="02010609030101010101" pitchFamily="49" charset="-122"/>
+                <a:ea typeface="新宋体" panose="02010609030101010101" pitchFamily="49" charset="-122"/>
+              </a:rPr>
+              <a:t>(</a:t>
+            </a:r>
+            <a:r>
+              <a:rPr lang="en-US" altLang="zh-CN" sz="1200" dirty="0" err="1">
+                <a:solidFill>
+                  <a:srgbClr val="808080"/>
+                </a:solidFill>
+                <a:latin typeface="新宋体" panose="02010609030101010101" pitchFamily="49" charset="-122"/>
+                <a:ea typeface="新宋体" panose="02010609030101010101" pitchFamily="49" charset="-122"/>
+              </a:rPr>
+              <a:t>prestr</a:t>
+            </a:r>
+            <a:r>
+              <a:rPr lang="en-US" altLang="zh-CN" sz="1200" dirty="0">
+                <a:solidFill>
+                  <a:srgbClr val="000000"/>
+                </a:solidFill>
+                <a:latin typeface="新宋体" panose="02010609030101010101" pitchFamily="49" charset="-122"/>
+                <a:ea typeface="新宋体" panose="02010609030101010101" pitchFamily="49" charset="-122"/>
+              </a:rPr>
+              <a:t> + 1, </a:t>
+            </a:r>
+            <a:r>
+              <a:rPr lang="en-US" altLang="zh-CN" sz="1200" dirty="0" err="1">
+                <a:solidFill>
+                  <a:srgbClr val="808080"/>
+                </a:solidFill>
+                <a:latin typeface="新宋体" panose="02010609030101010101" pitchFamily="49" charset="-122"/>
+                <a:ea typeface="新宋体" panose="02010609030101010101" pitchFamily="49" charset="-122"/>
+              </a:rPr>
+              <a:t>midstr</a:t>
+            </a:r>
+            <a:r>
+              <a:rPr lang="en-US" altLang="zh-CN" sz="1200" dirty="0">
+                <a:solidFill>
+                  <a:srgbClr val="000000"/>
+                </a:solidFill>
+                <a:latin typeface="新宋体" panose="02010609030101010101" pitchFamily="49" charset="-122"/>
+                <a:ea typeface="新宋体" panose="02010609030101010101" pitchFamily="49" charset="-122"/>
+              </a:rPr>
+              <a:t>, </a:t>
+            </a:r>
+            <a:r>
+              <a:rPr lang="en-US" altLang="zh-CN" sz="1200" dirty="0" err="1">
+                <a:solidFill>
+                  <a:srgbClr val="000000"/>
+                </a:solidFill>
+                <a:latin typeface="新宋体" panose="02010609030101010101" pitchFamily="49" charset="-122"/>
+                <a:ea typeface="新宋体" panose="02010609030101010101" pitchFamily="49" charset="-122"/>
+              </a:rPr>
+              <a:t>rootpos</a:t>
+            </a:r>
+            <a:r>
+              <a:rPr lang="en-US" altLang="zh-CN" sz="1200" dirty="0">
+                <a:solidFill>
+                  <a:srgbClr val="000000"/>
+                </a:solidFill>
+                <a:latin typeface="新宋体" panose="02010609030101010101" pitchFamily="49" charset="-122"/>
+                <a:ea typeface="新宋体" panose="02010609030101010101" pitchFamily="49" charset="-122"/>
+              </a:rPr>
+              <a:t>);</a:t>
+            </a:r>
+          </a:p>
+          <a:p>
+            <a:pPr lvl="1"/>
+            <a:r>
+              <a:rPr lang="en-US" altLang="zh-CN" sz="1200" dirty="0">
+                <a:solidFill>
+                  <a:srgbClr val="000000"/>
+                </a:solidFill>
+                <a:latin typeface="新宋体" panose="02010609030101010101" pitchFamily="49" charset="-122"/>
+                <a:ea typeface="新宋体" panose="02010609030101010101" pitchFamily="49" charset="-122"/>
+              </a:rPr>
+              <a:t>T-&gt;</a:t>
+            </a:r>
+            <a:r>
+              <a:rPr lang="en-US" altLang="zh-CN" sz="1200" dirty="0" err="1">
+                <a:solidFill>
+                  <a:srgbClr val="000000"/>
+                </a:solidFill>
+                <a:latin typeface="新宋体" panose="02010609030101010101" pitchFamily="49" charset="-122"/>
+                <a:ea typeface="新宋体" panose="02010609030101010101" pitchFamily="49" charset="-122"/>
+              </a:rPr>
+              <a:t>rchild</a:t>
+            </a:r>
+            <a:r>
+              <a:rPr lang="en-US" altLang="zh-CN" sz="1200" dirty="0">
+                <a:solidFill>
+                  <a:srgbClr val="000000"/>
+                </a:solidFill>
+                <a:latin typeface="新宋体" panose="02010609030101010101" pitchFamily="49" charset="-122"/>
+                <a:ea typeface="新宋体" panose="02010609030101010101" pitchFamily="49" charset="-122"/>
+              </a:rPr>
+              <a:t> = </a:t>
+            </a:r>
+            <a:r>
+              <a:rPr lang="en-US" altLang="zh-CN" sz="1200" dirty="0" err="1">
+                <a:solidFill>
+                  <a:srgbClr val="000000"/>
+                </a:solidFill>
+                <a:latin typeface="新宋体" panose="02010609030101010101" pitchFamily="49" charset="-122"/>
+                <a:ea typeface="新宋体" panose="02010609030101010101" pitchFamily="49" charset="-122"/>
+              </a:rPr>
+              <a:t>CreateBiTree</a:t>
+            </a:r>
+            <a:r>
+              <a:rPr lang="en-US" altLang="zh-CN" sz="1200" dirty="0">
+                <a:solidFill>
+                  <a:srgbClr val="000000"/>
+                </a:solidFill>
+                <a:latin typeface="新宋体" panose="02010609030101010101" pitchFamily="49" charset="-122"/>
+                <a:ea typeface="新宋体" panose="02010609030101010101" pitchFamily="49" charset="-122"/>
+              </a:rPr>
+              <a:t>(</a:t>
+            </a:r>
+            <a:r>
+              <a:rPr lang="en-US" altLang="zh-CN" sz="1200" dirty="0" err="1">
+                <a:solidFill>
+                  <a:srgbClr val="808080"/>
+                </a:solidFill>
+                <a:latin typeface="新宋体" panose="02010609030101010101" pitchFamily="49" charset="-122"/>
+                <a:ea typeface="新宋体" panose="02010609030101010101" pitchFamily="49" charset="-122"/>
+              </a:rPr>
+              <a:t>prestr</a:t>
+            </a:r>
+            <a:r>
+              <a:rPr lang="en-US" altLang="zh-CN" sz="1200" dirty="0">
+                <a:solidFill>
+                  <a:srgbClr val="000000"/>
+                </a:solidFill>
+                <a:latin typeface="新宋体" panose="02010609030101010101" pitchFamily="49" charset="-122"/>
+                <a:ea typeface="新宋体" panose="02010609030101010101" pitchFamily="49" charset="-122"/>
+              </a:rPr>
+              <a:t> + 1 + </a:t>
+            </a:r>
+            <a:r>
+              <a:rPr lang="en-US" altLang="zh-CN" sz="1200" dirty="0" err="1">
+                <a:solidFill>
+                  <a:srgbClr val="000000"/>
+                </a:solidFill>
+                <a:latin typeface="新宋体" panose="02010609030101010101" pitchFamily="49" charset="-122"/>
+                <a:ea typeface="新宋体" panose="02010609030101010101" pitchFamily="49" charset="-122"/>
+              </a:rPr>
+              <a:t>rootpos</a:t>
+            </a:r>
+            <a:r>
+              <a:rPr lang="en-US" altLang="zh-CN" sz="1200" dirty="0">
+                <a:solidFill>
+                  <a:srgbClr val="000000"/>
+                </a:solidFill>
+                <a:latin typeface="新宋体" panose="02010609030101010101" pitchFamily="49" charset="-122"/>
+                <a:ea typeface="新宋体" panose="02010609030101010101" pitchFamily="49" charset="-122"/>
+              </a:rPr>
+              <a:t>, </a:t>
+            </a:r>
+            <a:r>
+              <a:rPr lang="en-US" altLang="zh-CN" sz="1200" dirty="0" err="1">
+                <a:solidFill>
+                  <a:srgbClr val="808080"/>
+                </a:solidFill>
+                <a:latin typeface="新宋体" panose="02010609030101010101" pitchFamily="49" charset="-122"/>
+                <a:ea typeface="新宋体" panose="02010609030101010101" pitchFamily="49" charset="-122"/>
+              </a:rPr>
+              <a:t>midstr</a:t>
+            </a:r>
+            <a:r>
+              <a:rPr lang="en-US" altLang="zh-CN" sz="1200" dirty="0">
+                <a:solidFill>
+                  <a:srgbClr val="000000"/>
+                </a:solidFill>
+                <a:latin typeface="新宋体" panose="02010609030101010101" pitchFamily="49" charset="-122"/>
+                <a:ea typeface="新宋体" panose="02010609030101010101" pitchFamily="49" charset="-122"/>
+              </a:rPr>
+              <a:t> + 1 + </a:t>
+            </a:r>
+            <a:r>
+              <a:rPr lang="en-US" altLang="zh-CN" sz="1200" dirty="0" err="1">
+                <a:solidFill>
+                  <a:srgbClr val="000000"/>
+                </a:solidFill>
+                <a:latin typeface="新宋体" panose="02010609030101010101" pitchFamily="49" charset="-122"/>
+                <a:ea typeface="新宋体" panose="02010609030101010101" pitchFamily="49" charset="-122"/>
+              </a:rPr>
+              <a:t>rootpos</a:t>
+            </a:r>
+            <a:r>
+              <a:rPr lang="en-US" altLang="zh-CN" sz="1200" dirty="0">
+                <a:solidFill>
+                  <a:srgbClr val="000000"/>
+                </a:solidFill>
+                <a:latin typeface="新宋体" panose="02010609030101010101" pitchFamily="49" charset="-122"/>
+                <a:ea typeface="新宋体" panose="02010609030101010101" pitchFamily="49" charset="-122"/>
+              </a:rPr>
+              <a:t>, </a:t>
+            </a:r>
+            <a:r>
+              <a:rPr lang="en-US" altLang="zh-CN" sz="1200" dirty="0">
+                <a:solidFill>
+                  <a:srgbClr val="808080"/>
+                </a:solidFill>
+                <a:latin typeface="新宋体" panose="02010609030101010101" pitchFamily="49" charset="-122"/>
+                <a:ea typeface="新宋体" panose="02010609030101010101" pitchFamily="49" charset="-122"/>
+              </a:rPr>
+              <a:t>n</a:t>
+            </a:r>
+            <a:r>
+              <a:rPr lang="en-US" altLang="zh-CN" sz="1200" dirty="0">
+                <a:solidFill>
+                  <a:srgbClr val="000000"/>
+                </a:solidFill>
+                <a:latin typeface="新宋体" panose="02010609030101010101" pitchFamily="49" charset="-122"/>
+                <a:ea typeface="新宋体" panose="02010609030101010101" pitchFamily="49" charset="-122"/>
+              </a:rPr>
+              <a:t> - </a:t>
+            </a:r>
+            <a:r>
+              <a:rPr lang="en-US" altLang="zh-CN" sz="1200" dirty="0" err="1">
+                <a:solidFill>
+                  <a:srgbClr val="000000"/>
+                </a:solidFill>
+                <a:latin typeface="新宋体" panose="02010609030101010101" pitchFamily="49" charset="-122"/>
+                <a:ea typeface="新宋体" panose="02010609030101010101" pitchFamily="49" charset="-122"/>
+              </a:rPr>
+              <a:t>rootpos</a:t>
+            </a:r>
+            <a:r>
+              <a:rPr lang="en-US" altLang="zh-CN" sz="1200" dirty="0">
+                <a:solidFill>
+                  <a:srgbClr val="000000"/>
+                </a:solidFill>
+                <a:latin typeface="新宋体" panose="02010609030101010101" pitchFamily="49" charset="-122"/>
+                <a:ea typeface="新宋体" panose="02010609030101010101" pitchFamily="49" charset="-122"/>
+              </a:rPr>
+              <a:t> - 1);</a:t>
+            </a:r>
+          </a:p>
+          <a:p>
+            <a:pPr lvl="1"/>
+            <a:r>
+              <a:rPr lang="en-US" altLang="zh-CN" sz="1200" dirty="0">
+                <a:solidFill>
+                  <a:srgbClr val="0000FF"/>
+                </a:solidFill>
+                <a:latin typeface="新宋体" panose="02010609030101010101" pitchFamily="49" charset="-122"/>
+                <a:ea typeface="新宋体" panose="02010609030101010101" pitchFamily="49" charset="-122"/>
+              </a:rPr>
+              <a:t>return</a:t>
+            </a:r>
+            <a:r>
+              <a:rPr lang="en-US" altLang="zh-CN" sz="1200" dirty="0">
+                <a:solidFill>
+                  <a:srgbClr val="000000"/>
+                </a:solidFill>
+                <a:latin typeface="新宋体" panose="02010609030101010101" pitchFamily="49" charset="-122"/>
+                <a:ea typeface="新宋体" panose="02010609030101010101" pitchFamily="49" charset="-122"/>
+              </a:rPr>
+              <a:t> T;</a:t>
+            </a:r>
+          </a:p>
+          <a:p>
+            <a:r>
+              <a:rPr lang="en-US" altLang="zh-CN" sz="1200" dirty="0">
+                <a:solidFill>
+                  <a:srgbClr val="000000"/>
+                </a:solidFill>
+                <a:latin typeface="新宋体" panose="02010609030101010101" pitchFamily="49" charset="-122"/>
+                <a:ea typeface="新宋体" panose="02010609030101010101" pitchFamily="49" charset="-122"/>
+              </a:rPr>
+              <a:t>}</a:t>
+            </a:r>
+          </a:p>
+        </p:txBody>
+      </p:sp>
+      <p:sp>
+        <p:nvSpPr>
+          <p:cNvPr id="3" name="Text Box 6">
+            <a:extLst>
+              <a:ext uri="{FF2B5EF4-FFF2-40B4-BE49-F238E27FC236}">
+                <a16:creationId xmlns:a16="http://schemas.microsoft.com/office/drawing/2014/main" id="{0ABF14DC-43C9-46E2-83CB-AC3FE0FD1631}"/>
+              </a:ext>
+            </a:extLst>
+          </p:cNvPr>
+          <p:cNvSpPr txBox="1">
+            <a:spLocks noChangeArrowheads="1"/>
+          </p:cNvSpPr>
+          <p:nvPr/>
+        </p:nvSpPr>
+        <p:spPr bwMode="auto">
+          <a:xfrm>
+            <a:off x="8832304" y="2977207"/>
+            <a:ext cx="2810385" cy="369332"/>
+          </a:xfrm>
+          <a:prstGeom prst="rect">
+            <a:avLst/>
+          </a:prstGeom>
+          <a:noFill/>
+          <a:ln>
+            <a:noFill/>
+          </a:ln>
+          <a:effectLst/>
+          <a:extLst>
+            <a:ext uri="{909E8E84-426E-40DD-AFC4-6F175D3DCCD1}">
+              <a14:hiddenFill xmlns:a14="http://schemas.microsoft.com/office/drawing/2010/main">
+                <a:solidFill>
+                  <a:schemeClr val="accent1"/>
+                </a:solidFill>
+              </a14:hiddenFill>
+            </a:ext>
+            <a:ext uri="{91240B29-F687-4F45-9708-019B960494DF}">
+              <a14:hiddenLine xmlns:a14="http://schemas.microsoft.com/office/drawing/2010/main" w="9525" algn="ctr">
+                <a:solidFill>
+                  <a:schemeClr val="tx1"/>
+                </a:solidFill>
+                <a:miter lim="800000"/>
+                <a:headEnd/>
+                <a:tailEnd/>
+              </a14:hiddenLine>
+            </a:ext>
+            <a:ext uri="{AF507438-7753-43E0-B8FC-AC1667EBCBE1}">
+              <a14:hiddenEffects xmlns:a14="http://schemas.microsoft.com/office/drawing/2010/main">
+                <a:effectLst>
+                  <a:outerShdw dist="35921" dir="2700000" algn="ctr" rotWithShape="0">
+                    <a:schemeClr val="bg2"/>
+                  </a:outerShdw>
+                </a:effectLst>
+              </a14:hiddenEffects>
+            </a:ext>
+          </a:extLst>
+        </p:spPr>
+        <p:txBody>
+          <a:bodyPr wrap="none">
+            <a:spAutoFit/>
+          </a:bodyPr>
+          <a:lstStyle/>
+          <a:p>
+            <a:r>
+              <a:rPr lang="zh-CN" altLang="en-US" b="1" dirty="0">
+                <a:latin typeface="Courier New" panose="02070309020205020404" pitchFamily="49" charset="0"/>
+                <a:ea typeface="华文新魏" panose="02010800040101010101" pitchFamily="2" charset="-122"/>
+              </a:rPr>
+              <a:t>前序遍历序：</a:t>
+            </a:r>
+            <a:r>
+              <a:rPr lang="en-US" altLang="zh-CN" b="1" dirty="0" err="1">
+                <a:latin typeface="Courier New" panose="02070309020205020404" pitchFamily="49" charset="0"/>
+              </a:rPr>
+              <a:t>abdceghfi</a:t>
+            </a:r>
+            <a:endParaRPr lang="en-US" altLang="zh-CN" b="1" dirty="0">
+              <a:latin typeface="Courier New" panose="02070309020205020404" pitchFamily="49" charset="0"/>
+            </a:endParaRPr>
+          </a:p>
+        </p:txBody>
+      </p:sp>
+      <p:sp>
+        <p:nvSpPr>
+          <p:cNvPr id="4" name="Text Box 7">
+            <a:extLst>
+              <a:ext uri="{FF2B5EF4-FFF2-40B4-BE49-F238E27FC236}">
+                <a16:creationId xmlns:a16="http://schemas.microsoft.com/office/drawing/2014/main" id="{B2AC54DC-D367-48B9-90AD-D3FB48CBC3B8}"/>
+              </a:ext>
+            </a:extLst>
+          </p:cNvPr>
+          <p:cNvSpPr txBox="1">
+            <a:spLocks noChangeArrowheads="1"/>
+          </p:cNvSpPr>
+          <p:nvPr/>
+        </p:nvSpPr>
+        <p:spPr bwMode="auto">
+          <a:xfrm>
+            <a:off x="8832304" y="3626495"/>
+            <a:ext cx="2810385" cy="369332"/>
+          </a:xfrm>
+          <a:prstGeom prst="rect">
+            <a:avLst/>
+          </a:prstGeom>
+          <a:noFill/>
+          <a:ln>
+            <a:noFill/>
+          </a:ln>
+          <a:effectLst/>
+          <a:extLst>
+            <a:ext uri="{909E8E84-426E-40DD-AFC4-6F175D3DCCD1}">
+              <a14:hiddenFill xmlns:a14="http://schemas.microsoft.com/office/drawing/2010/main">
+                <a:solidFill>
+                  <a:schemeClr val="accent1"/>
+                </a:solidFill>
+              </a14:hiddenFill>
+            </a:ext>
+            <a:ext uri="{91240B29-F687-4F45-9708-019B960494DF}">
+              <a14:hiddenLine xmlns:a14="http://schemas.microsoft.com/office/drawing/2010/main" w="9525" algn="ctr">
+                <a:solidFill>
+                  <a:schemeClr val="tx1"/>
+                </a:solidFill>
+                <a:miter lim="800000"/>
+                <a:headEnd/>
+                <a:tailEnd/>
+              </a14:hiddenLine>
+            </a:ext>
+            <a:ext uri="{AF507438-7753-43E0-B8FC-AC1667EBCBE1}">
+              <a14:hiddenEffects xmlns:a14="http://schemas.microsoft.com/office/drawing/2010/main">
+                <a:effectLst>
+                  <a:outerShdw dist="35921" dir="2700000" algn="ctr" rotWithShape="0">
+                    <a:schemeClr val="bg2"/>
+                  </a:outerShdw>
+                </a:effectLst>
+              </a14:hiddenEffects>
+            </a:ext>
+          </a:extLst>
+        </p:spPr>
+        <p:txBody>
+          <a:bodyPr wrap="none">
+            <a:spAutoFit/>
+          </a:bodyPr>
+          <a:lstStyle/>
+          <a:p>
+            <a:r>
+              <a:rPr lang="zh-CN" altLang="en-US" b="1">
+                <a:latin typeface="Courier New" panose="02070309020205020404" pitchFamily="49" charset="0"/>
+                <a:ea typeface="华文新魏" panose="02010800040101010101" pitchFamily="2" charset="-122"/>
+              </a:rPr>
+              <a:t>中序遍历序：</a:t>
+            </a:r>
+            <a:r>
+              <a:rPr lang="en-US" altLang="zh-CN" b="1">
+                <a:latin typeface="Courier New" panose="02070309020205020404" pitchFamily="49" charset="0"/>
+                <a:ea typeface="华文新魏" panose="02010800040101010101" pitchFamily="2" charset="-122"/>
+              </a:rPr>
+              <a:t>db</a:t>
+            </a:r>
+            <a:r>
+              <a:rPr lang="en-US" altLang="zh-CN" b="1">
+                <a:latin typeface="Courier New" panose="02070309020205020404" pitchFamily="49" charset="0"/>
+              </a:rPr>
+              <a:t>agehcfi</a:t>
+            </a:r>
+          </a:p>
+        </p:txBody>
+      </p:sp>
+      <p:sp>
+        <p:nvSpPr>
+          <p:cNvPr id="5" name="文本框 4">
+            <a:extLst>
+              <a:ext uri="{FF2B5EF4-FFF2-40B4-BE49-F238E27FC236}">
+                <a16:creationId xmlns:a16="http://schemas.microsoft.com/office/drawing/2014/main" id="{F7730383-8FB9-4DAA-8C3D-75526D005C74}"/>
+              </a:ext>
+            </a:extLst>
+          </p:cNvPr>
+          <p:cNvSpPr txBox="1"/>
+          <p:nvPr/>
+        </p:nvSpPr>
+        <p:spPr>
+          <a:xfrm>
+            <a:off x="9480376" y="2132856"/>
+            <a:ext cx="593432" cy="276999"/>
+          </a:xfrm>
+          <a:prstGeom prst="rect">
+            <a:avLst/>
+          </a:prstGeom>
+          <a:noFill/>
+          <a:ln>
+            <a:solidFill>
+              <a:srgbClr val="000000"/>
+            </a:solidFill>
+          </a:ln>
+        </p:spPr>
+        <p:txBody>
+          <a:bodyPr wrap="none" rtlCol="0">
+            <a:spAutoFit/>
+          </a:bodyPr>
+          <a:lstStyle/>
+          <a:p>
+            <a:r>
+              <a:rPr lang="en-US" altLang="zh-CN" sz="1200" dirty="0" err="1"/>
+              <a:t>prestr</a:t>
+            </a:r>
+            <a:endParaRPr lang="zh-CN" altLang="en-US" sz="1200" dirty="0"/>
+          </a:p>
+        </p:txBody>
+      </p:sp>
+      <p:cxnSp>
+        <p:nvCxnSpPr>
+          <p:cNvPr id="7" name="直接箭头连接符 6">
+            <a:extLst>
+              <a:ext uri="{FF2B5EF4-FFF2-40B4-BE49-F238E27FC236}">
+                <a16:creationId xmlns:a16="http://schemas.microsoft.com/office/drawing/2014/main" id="{9AECF202-FC07-4D9C-8571-83AFDEF643D6}"/>
+              </a:ext>
+            </a:extLst>
+          </p:cNvPr>
+          <p:cNvCxnSpPr>
+            <a:cxnSpLocks/>
+            <a:stCxn id="5" idx="2"/>
+          </p:cNvCxnSpPr>
+          <p:nvPr/>
+        </p:nvCxnSpPr>
+        <p:spPr>
+          <a:xfrm>
+            <a:off x="9777092" y="2409855"/>
+            <a:ext cx="501901" cy="659105"/>
+          </a:xfrm>
+          <a:prstGeom prst="straightConnector1">
+            <a:avLst/>
+          </a:prstGeom>
+          <a:ln>
+            <a:tailEnd type="triangle"/>
+          </a:ln>
+        </p:spPr>
+        <p:style>
+          <a:lnRef idx="1">
+            <a:schemeClr val="accent1"/>
+          </a:lnRef>
+          <a:fillRef idx="0">
+            <a:schemeClr val="accent1"/>
+          </a:fillRef>
+          <a:effectRef idx="0">
+            <a:schemeClr val="accent1"/>
+          </a:effectRef>
+          <a:fontRef idx="minor">
+            <a:schemeClr val="tx1"/>
+          </a:fontRef>
+        </p:style>
+      </p:cxnSp>
+      <p:sp>
+        <p:nvSpPr>
+          <p:cNvPr id="9" name="文本框 8">
+            <a:extLst>
+              <a:ext uri="{FF2B5EF4-FFF2-40B4-BE49-F238E27FC236}">
+                <a16:creationId xmlns:a16="http://schemas.microsoft.com/office/drawing/2014/main" id="{3358C0F3-A721-4665-A7EE-AB805982B3DD}"/>
+              </a:ext>
+            </a:extLst>
+          </p:cNvPr>
+          <p:cNvSpPr txBox="1"/>
+          <p:nvPr/>
+        </p:nvSpPr>
+        <p:spPr>
+          <a:xfrm>
+            <a:off x="9552384" y="5013176"/>
+            <a:ext cx="623889" cy="276999"/>
+          </a:xfrm>
+          <a:prstGeom prst="rect">
+            <a:avLst/>
+          </a:prstGeom>
+          <a:noFill/>
+          <a:ln>
+            <a:solidFill>
+              <a:srgbClr val="000000"/>
+            </a:solidFill>
+          </a:ln>
+        </p:spPr>
+        <p:txBody>
+          <a:bodyPr wrap="none" rtlCol="0">
+            <a:spAutoFit/>
+          </a:bodyPr>
+          <a:lstStyle/>
+          <a:p>
+            <a:r>
+              <a:rPr lang="en-US" altLang="zh-CN" sz="1200" dirty="0" err="1"/>
+              <a:t>midstr</a:t>
+            </a:r>
+            <a:endParaRPr lang="zh-CN" altLang="en-US" sz="1200" dirty="0"/>
+          </a:p>
+        </p:txBody>
+      </p:sp>
+      <p:cxnSp>
+        <p:nvCxnSpPr>
+          <p:cNvPr id="11" name="直接箭头连接符 10">
+            <a:extLst>
+              <a:ext uri="{FF2B5EF4-FFF2-40B4-BE49-F238E27FC236}">
+                <a16:creationId xmlns:a16="http://schemas.microsoft.com/office/drawing/2014/main" id="{16717363-6E4B-48EB-B184-090F1542E5A3}"/>
+              </a:ext>
+            </a:extLst>
+          </p:cNvPr>
+          <p:cNvCxnSpPr>
+            <a:stCxn id="9" idx="0"/>
+          </p:cNvCxnSpPr>
+          <p:nvPr/>
+        </p:nvCxnSpPr>
+        <p:spPr>
+          <a:xfrm flipV="1">
+            <a:off x="9864329" y="3933056"/>
+            <a:ext cx="480143" cy="1080120"/>
+          </a:xfrm>
+          <a:prstGeom prst="straightConnector1">
+            <a:avLst/>
+          </a:prstGeom>
+          <a:ln>
+            <a:tailEnd type="triangle"/>
+          </a:ln>
+        </p:spPr>
+        <p:style>
+          <a:lnRef idx="1">
+            <a:schemeClr val="accent1"/>
+          </a:lnRef>
+          <a:fillRef idx="0">
+            <a:schemeClr val="accent1"/>
+          </a:fillRef>
+          <a:effectRef idx="0">
+            <a:schemeClr val="accent1"/>
+          </a:effectRef>
+          <a:fontRef idx="minor">
+            <a:schemeClr val="tx1"/>
+          </a:fontRef>
+        </p:style>
+      </p:cxnSp>
+      <p:sp>
+        <p:nvSpPr>
+          <p:cNvPr id="12" name="文本框 11">
+            <a:extLst>
+              <a:ext uri="{FF2B5EF4-FFF2-40B4-BE49-F238E27FC236}">
+                <a16:creationId xmlns:a16="http://schemas.microsoft.com/office/drawing/2014/main" id="{27FB9542-8300-4E7D-A422-4296AADA9689}"/>
+              </a:ext>
+            </a:extLst>
+          </p:cNvPr>
+          <p:cNvSpPr txBox="1"/>
+          <p:nvPr/>
+        </p:nvSpPr>
+        <p:spPr>
+          <a:xfrm>
+            <a:off x="10759104" y="4473116"/>
+            <a:ext cx="750526" cy="276999"/>
+          </a:xfrm>
+          <a:prstGeom prst="rect">
+            <a:avLst/>
+          </a:prstGeom>
+          <a:noFill/>
+          <a:ln>
+            <a:solidFill>
+              <a:srgbClr val="000000"/>
+            </a:solidFill>
+          </a:ln>
+        </p:spPr>
+        <p:txBody>
+          <a:bodyPr wrap="none" rtlCol="0">
+            <a:spAutoFit/>
+          </a:bodyPr>
+          <a:lstStyle/>
+          <a:p>
+            <a:r>
+              <a:rPr lang="en-US" altLang="zh-CN" sz="1200" dirty="0" err="1"/>
+              <a:t>rootpos</a:t>
+            </a:r>
+            <a:endParaRPr lang="zh-CN" altLang="en-US" sz="1200" dirty="0"/>
+          </a:p>
+        </p:txBody>
+      </p:sp>
+      <p:cxnSp>
+        <p:nvCxnSpPr>
+          <p:cNvPr id="14" name="直接箭头连接符 13">
+            <a:extLst>
+              <a:ext uri="{FF2B5EF4-FFF2-40B4-BE49-F238E27FC236}">
+                <a16:creationId xmlns:a16="http://schemas.microsoft.com/office/drawing/2014/main" id="{BD1904CD-9064-4267-98FD-BD01577DF758}"/>
+              </a:ext>
+            </a:extLst>
+          </p:cNvPr>
+          <p:cNvCxnSpPr>
+            <a:stCxn id="12" idx="0"/>
+          </p:cNvCxnSpPr>
+          <p:nvPr/>
+        </p:nvCxnSpPr>
+        <p:spPr>
+          <a:xfrm flipH="1" flipV="1">
+            <a:off x="10632505" y="3933056"/>
+            <a:ext cx="501862" cy="540060"/>
+          </a:xfrm>
+          <a:prstGeom prst="straightConnector1">
+            <a:avLst/>
+          </a:prstGeom>
+          <a:ln>
+            <a:tailEnd type="triangle"/>
+          </a:ln>
+        </p:spPr>
+        <p:style>
+          <a:lnRef idx="1">
+            <a:schemeClr val="accent1"/>
+          </a:lnRef>
+          <a:fillRef idx="0">
+            <a:schemeClr val="accent1"/>
+          </a:fillRef>
+          <a:effectRef idx="0">
+            <a:schemeClr val="accent1"/>
+          </a:effectRef>
+          <a:fontRef idx="minor">
+            <a:schemeClr val="tx1"/>
+          </a:fontRef>
+        </p:style>
+      </p:cxnSp>
+    </p:spTree>
+    <p:extLst>
+      <p:ext uri="{BB962C8B-B14F-4D97-AF65-F5344CB8AC3E}">
+        <p14:creationId xmlns:p14="http://schemas.microsoft.com/office/powerpoint/2010/main" val="2712470756"/>
+      </p:ext>
+    </p:extLst>
+  </p:cSld>
+  <p:clrMapOvr>
+    <a:masterClrMapping/>
+  </p:clrMapOvr>
+  <p:timing>
+    <p:tnLst>
+      <p:par>
+        <p:cTn id="1" dur="indefinite" restart="never" nodeType="tmRoot">
+          <p:childTnLst>
+            <p:seq concurrent="1" nextAc="seek">
+              <p:cTn id="2" dur="indefinite" nodeType="mainSeq">
+                <p:childTnLst>
+                  <p:par>
+                    <p:cTn id="3" fill="hold">
+                      <p:stCondLst>
+                        <p:cond delay="indefinite"/>
+                      </p:stCondLst>
+                      <p:childTnLst>
+                        <p:par>
+                          <p:cTn id="4" fill="hold">
+                            <p:stCondLst>
+                              <p:cond delay="0"/>
+                            </p:stCondLst>
+                            <p:childTnLst>
+                              <p:par>
+                                <p:cTn id="5" presetID="1" presetClass="entr" presetSubtype="0" fill="hold" nodeType="clickEffect">
+                                  <p:stCondLst>
+                                    <p:cond delay="0"/>
+                                  </p:stCondLst>
+                                  <p:childTnLst>
+                                    <p:set>
+                                      <p:cBhvr>
+                                        <p:cTn id="6" dur="1" fill="hold">
+                                          <p:stCondLst>
+                                            <p:cond delay="0"/>
+                                          </p:stCondLst>
+                                        </p:cTn>
+                                        <p:tgtEl>
+                                          <p:spTgt spid="2">
+                                            <p:txEl>
+                                              <p:pRg st="2" end="2"/>
+                                            </p:txEl>
+                                          </p:spTgt>
+                                        </p:tgtEl>
+                                        <p:attrNameLst>
+                                          <p:attrName>style.visibility</p:attrName>
+                                        </p:attrNameLst>
+                                      </p:cBhvr>
+                                      <p:to>
+                                        <p:strVal val="visible"/>
+                                      </p:to>
+                                    </p:set>
+                                  </p:childTnLst>
+                                </p:cTn>
+                              </p:par>
+                            </p:childTnLst>
+                          </p:cTn>
+                        </p:par>
+                      </p:childTnLst>
+                    </p:cTn>
+                  </p:par>
+                  <p:par>
+                    <p:cTn id="7" fill="hold">
+                      <p:stCondLst>
+                        <p:cond delay="indefinite"/>
+                      </p:stCondLst>
+                      <p:childTnLst>
+                        <p:par>
+                          <p:cTn id="8" fill="hold">
+                            <p:stCondLst>
+                              <p:cond delay="0"/>
+                            </p:stCondLst>
+                            <p:childTnLst>
+                              <p:par>
+                                <p:cTn id="9" presetID="1" presetClass="entr" presetSubtype="0" fill="hold" nodeType="clickEffect">
+                                  <p:stCondLst>
+                                    <p:cond delay="0"/>
+                                  </p:stCondLst>
+                                  <p:childTnLst>
+                                    <p:set>
+                                      <p:cBhvr>
+                                        <p:cTn id="10" dur="1" fill="hold">
+                                          <p:stCondLst>
+                                            <p:cond delay="0"/>
+                                          </p:stCondLst>
+                                        </p:cTn>
+                                        <p:tgtEl>
+                                          <p:spTgt spid="2">
+                                            <p:txEl>
+                                              <p:pRg st="4" end="4"/>
+                                            </p:txEl>
+                                          </p:spTgt>
+                                        </p:tgtEl>
+                                        <p:attrNameLst>
+                                          <p:attrName>style.visibility</p:attrName>
+                                        </p:attrNameLst>
+                                      </p:cBhvr>
+                                      <p:to>
+                                        <p:strVal val="visible"/>
+                                      </p:to>
+                                    </p:set>
+                                  </p:childTnLst>
+                                </p:cTn>
+                              </p:par>
+                              <p:par>
+                                <p:cTn id="11" presetID="1" presetClass="entr" presetSubtype="0" fill="hold" nodeType="withEffect">
+                                  <p:stCondLst>
+                                    <p:cond delay="0"/>
+                                  </p:stCondLst>
+                                  <p:childTnLst>
+                                    <p:set>
+                                      <p:cBhvr>
+                                        <p:cTn id="12" dur="1" fill="hold">
+                                          <p:stCondLst>
+                                            <p:cond delay="0"/>
+                                          </p:stCondLst>
+                                        </p:cTn>
+                                        <p:tgtEl>
+                                          <p:spTgt spid="2">
+                                            <p:txEl>
+                                              <p:pRg st="5" end="5"/>
+                                            </p:txEl>
+                                          </p:spTgt>
+                                        </p:tgtEl>
+                                        <p:attrNameLst>
+                                          <p:attrName>style.visibility</p:attrName>
+                                        </p:attrNameLst>
+                                      </p:cBhvr>
+                                      <p:to>
+                                        <p:strVal val="visible"/>
+                                      </p:to>
+                                    </p:set>
+                                  </p:childTnLst>
+                                </p:cTn>
+                              </p:par>
+                            </p:childTnLst>
+                          </p:cTn>
+                        </p:par>
+                      </p:childTnLst>
+                    </p:cTn>
+                  </p:par>
+                  <p:par>
+                    <p:cTn id="13" fill="hold">
+                      <p:stCondLst>
+                        <p:cond delay="indefinite"/>
+                      </p:stCondLst>
+                      <p:childTnLst>
+                        <p:par>
+                          <p:cTn id="14" fill="hold">
+                            <p:stCondLst>
+                              <p:cond delay="0"/>
+                            </p:stCondLst>
+                            <p:childTnLst>
+                              <p:par>
+                                <p:cTn id="15" presetID="1" presetClass="entr" presetSubtype="0" fill="hold" nodeType="clickEffect">
+                                  <p:stCondLst>
+                                    <p:cond delay="0"/>
+                                  </p:stCondLst>
+                                  <p:childTnLst>
+                                    <p:set>
+                                      <p:cBhvr>
+                                        <p:cTn id="16" dur="1" fill="hold">
+                                          <p:stCondLst>
+                                            <p:cond delay="0"/>
+                                          </p:stCondLst>
+                                        </p:cTn>
+                                        <p:tgtEl>
+                                          <p:spTgt spid="2">
+                                            <p:txEl>
+                                              <p:pRg st="6" end="6"/>
+                                            </p:txEl>
+                                          </p:spTgt>
+                                        </p:tgtEl>
+                                        <p:attrNameLst>
+                                          <p:attrName>style.visibility</p:attrName>
+                                        </p:attrNameLst>
+                                      </p:cBhvr>
+                                      <p:to>
+                                        <p:strVal val="visible"/>
+                                      </p:to>
+                                    </p:set>
+                                  </p:childTnLst>
+                                </p:cTn>
+                              </p:par>
+                            </p:childTnLst>
+                          </p:cTn>
+                        </p:par>
+                      </p:childTnLst>
+                    </p:cTn>
+                  </p:par>
+                  <p:par>
+                    <p:cTn id="17" fill="hold">
+                      <p:stCondLst>
+                        <p:cond delay="indefinite"/>
+                      </p:stCondLst>
+                      <p:childTnLst>
+                        <p:par>
+                          <p:cTn id="18" fill="hold">
+                            <p:stCondLst>
+                              <p:cond delay="0"/>
+                            </p:stCondLst>
+                            <p:childTnLst>
+                              <p:par>
+                                <p:cTn id="19" presetID="1" presetClass="entr" presetSubtype="0" fill="hold" nodeType="clickEffect">
+                                  <p:stCondLst>
+                                    <p:cond delay="0"/>
+                                  </p:stCondLst>
+                                  <p:childTnLst>
+                                    <p:set>
+                                      <p:cBhvr>
+                                        <p:cTn id="20" dur="1" fill="hold">
+                                          <p:stCondLst>
+                                            <p:cond delay="0"/>
+                                          </p:stCondLst>
+                                        </p:cTn>
+                                        <p:tgtEl>
+                                          <p:spTgt spid="2">
+                                            <p:txEl>
+                                              <p:pRg st="8" end="8"/>
+                                            </p:txEl>
+                                          </p:spTgt>
+                                        </p:tgtEl>
+                                        <p:attrNameLst>
+                                          <p:attrName>style.visibility</p:attrName>
+                                        </p:attrNameLst>
+                                      </p:cBhvr>
+                                      <p:to>
+                                        <p:strVal val="visible"/>
+                                      </p:to>
+                                    </p:set>
+                                  </p:childTnLst>
+                                </p:cTn>
+                              </p:par>
+                              <p:par>
+                                <p:cTn id="21" presetID="1" presetClass="entr" presetSubtype="0" fill="hold" nodeType="withEffect">
+                                  <p:stCondLst>
+                                    <p:cond delay="0"/>
+                                  </p:stCondLst>
+                                  <p:childTnLst>
+                                    <p:set>
+                                      <p:cBhvr>
+                                        <p:cTn id="22" dur="1" fill="hold">
+                                          <p:stCondLst>
+                                            <p:cond delay="0"/>
+                                          </p:stCondLst>
+                                        </p:cTn>
+                                        <p:tgtEl>
+                                          <p:spTgt spid="2">
+                                            <p:txEl>
+                                              <p:pRg st="9" end="9"/>
+                                            </p:txEl>
+                                          </p:spTgt>
+                                        </p:tgtEl>
+                                        <p:attrNameLst>
+                                          <p:attrName>style.visibility</p:attrName>
+                                        </p:attrNameLst>
+                                      </p:cBhvr>
+                                      <p:to>
+                                        <p:strVal val="visible"/>
+                                      </p:to>
+                                    </p:set>
+                                  </p:childTnLst>
+                                </p:cTn>
+                              </p:par>
+                              <p:par>
+                                <p:cTn id="23" presetID="1" presetClass="entr" presetSubtype="0" fill="hold" nodeType="withEffect">
+                                  <p:stCondLst>
+                                    <p:cond delay="0"/>
+                                  </p:stCondLst>
+                                  <p:childTnLst>
+                                    <p:set>
+                                      <p:cBhvr>
+                                        <p:cTn id="24" dur="1" fill="hold">
+                                          <p:stCondLst>
+                                            <p:cond delay="0"/>
+                                          </p:stCondLst>
+                                        </p:cTn>
+                                        <p:tgtEl>
+                                          <p:spTgt spid="2">
+                                            <p:txEl>
+                                              <p:pRg st="10" end="10"/>
+                                            </p:txEl>
+                                          </p:spTgt>
+                                        </p:tgtEl>
+                                        <p:attrNameLst>
+                                          <p:attrName>style.visibility</p:attrName>
+                                        </p:attrNameLst>
+                                      </p:cBhvr>
+                                      <p:to>
+                                        <p:strVal val="visible"/>
+                                      </p:to>
+                                    </p:set>
+                                  </p:childTnLst>
+                                </p:cTn>
+                              </p:par>
+                              <p:par>
+                                <p:cTn id="25" presetID="1" presetClass="entr" presetSubtype="0" fill="hold" nodeType="withEffect">
+                                  <p:stCondLst>
+                                    <p:cond delay="0"/>
+                                  </p:stCondLst>
+                                  <p:childTnLst>
+                                    <p:set>
+                                      <p:cBhvr>
+                                        <p:cTn id="26" dur="1" fill="hold">
+                                          <p:stCondLst>
+                                            <p:cond delay="0"/>
+                                          </p:stCondLst>
+                                        </p:cTn>
+                                        <p:tgtEl>
+                                          <p:spTgt spid="2">
+                                            <p:txEl>
+                                              <p:pRg st="11" end="11"/>
+                                            </p:txEl>
+                                          </p:spTgt>
+                                        </p:tgtEl>
+                                        <p:attrNameLst>
+                                          <p:attrName>style.visibility</p:attrName>
+                                        </p:attrNameLst>
+                                      </p:cBhvr>
+                                      <p:to>
+                                        <p:strVal val="visible"/>
+                                      </p:to>
+                                    </p:set>
+                                  </p:childTnLst>
+                                </p:cTn>
+                              </p:par>
+                              <p:par>
+                                <p:cTn id="27" presetID="1" presetClass="entr" presetSubtype="0" fill="hold" nodeType="withEffect">
+                                  <p:stCondLst>
+                                    <p:cond delay="0"/>
+                                  </p:stCondLst>
+                                  <p:childTnLst>
+                                    <p:set>
+                                      <p:cBhvr>
+                                        <p:cTn id="28" dur="1" fill="hold">
+                                          <p:stCondLst>
+                                            <p:cond delay="0"/>
+                                          </p:stCondLst>
+                                        </p:cTn>
+                                        <p:tgtEl>
+                                          <p:spTgt spid="2">
+                                            <p:txEl>
+                                              <p:pRg st="17" end="17"/>
+                                            </p:txEl>
+                                          </p:spTgt>
+                                        </p:tgtEl>
+                                        <p:attrNameLst>
+                                          <p:attrName>style.visibility</p:attrName>
+                                        </p:attrNameLst>
+                                      </p:cBhvr>
+                                      <p:to>
+                                        <p:strVal val="visible"/>
+                                      </p:to>
+                                    </p:set>
+                                  </p:childTnLst>
+                                </p:cTn>
+                              </p:par>
+                            </p:childTnLst>
+                          </p:cTn>
+                        </p:par>
+                        <p:par>
+                          <p:cTn id="29" fill="hold">
+                            <p:stCondLst>
+                              <p:cond delay="0"/>
+                            </p:stCondLst>
+                            <p:childTnLst>
+                              <p:par>
+                                <p:cTn id="30" presetID="1" presetClass="entr" presetSubtype="0" fill="hold" nodeType="afterEffect">
+                                  <p:stCondLst>
+                                    <p:cond delay="0"/>
+                                  </p:stCondLst>
+                                  <p:childTnLst>
+                                    <p:set>
+                                      <p:cBhvr>
+                                        <p:cTn id="31" dur="1" fill="hold">
+                                          <p:stCondLst>
+                                            <p:cond delay="0"/>
+                                          </p:stCondLst>
+                                        </p:cTn>
+                                        <p:tgtEl>
+                                          <p:spTgt spid="14"/>
+                                        </p:tgtEl>
+                                        <p:attrNameLst>
+                                          <p:attrName>style.visibility</p:attrName>
+                                        </p:attrNameLst>
+                                      </p:cBhvr>
+                                      <p:to>
+                                        <p:strVal val="visible"/>
+                                      </p:to>
+                                    </p:set>
+                                  </p:childTnLst>
+                                </p:cTn>
+                              </p:par>
+                            </p:childTnLst>
+                          </p:cTn>
+                        </p:par>
+                        <p:par>
+                          <p:cTn id="32" fill="hold">
+                            <p:stCondLst>
+                              <p:cond delay="0"/>
+                            </p:stCondLst>
+                            <p:childTnLst>
+                              <p:par>
+                                <p:cTn id="33" presetID="1" presetClass="entr" presetSubtype="0" fill="hold" grpId="0" nodeType="afterEffect">
+                                  <p:stCondLst>
+                                    <p:cond delay="0"/>
+                                  </p:stCondLst>
+                                  <p:childTnLst>
+                                    <p:set>
+                                      <p:cBhvr>
+                                        <p:cTn id="34" dur="1" fill="hold">
+                                          <p:stCondLst>
+                                            <p:cond delay="0"/>
+                                          </p:stCondLst>
+                                        </p:cTn>
+                                        <p:tgtEl>
+                                          <p:spTgt spid="12"/>
+                                        </p:tgtEl>
+                                        <p:attrNameLst>
+                                          <p:attrName>style.visibility</p:attrName>
+                                        </p:attrNameLst>
+                                      </p:cBhvr>
+                                      <p:to>
+                                        <p:strVal val="visible"/>
+                                      </p:to>
+                                    </p:set>
+                                  </p:childTnLst>
+                                </p:cTn>
+                              </p:par>
+                            </p:childTnLst>
+                          </p:cTn>
+                        </p:par>
+                      </p:childTnLst>
+                    </p:cTn>
+                  </p:par>
+                  <p:par>
+                    <p:cTn id="35" fill="hold">
+                      <p:stCondLst>
+                        <p:cond delay="indefinite"/>
+                      </p:stCondLst>
+                      <p:childTnLst>
+                        <p:par>
+                          <p:cTn id="36" fill="hold">
+                            <p:stCondLst>
+                              <p:cond delay="0"/>
+                            </p:stCondLst>
+                            <p:childTnLst>
+                              <p:par>
+                                <p:cTn id="37" presetID="1" presetClass="entr" presetSubtype="0" fill="hold" nodeType="clickEffect">
+                                  <p:stCondLst>
+                                    <p:cond delay="0"/>
+                                  </p:stCondLst>
+                                  <p:childTnLst>
+                                    <p:set>
+                                      <p:cBhvr>
+                                        <p:cTn id="38" dur="1" fill="hold">
+                                          <p:stCondLst>
+                                            <p:cond delay="0"/>
+                                          </p:stCondLst>
+                                        </p:cTn>
+                                        <p:tgtEl>
+                                          <p:spTgt spid="2">
+                                            <p:txEl>
+                                              <p:pRg st="12" end="12"/>
+                                            </p:txEl>
+                                          </p:spTgt>
+                                        </p:tgtEl>
+                                        <p:attrNameLst>
+                                          <p:attrName>style.visibility</p:attrName>
+                                        </p:attrNameLst>
+                                      </p:cBhvr>
+                                      <p:to>
+                                        <p:strVal val="visible"/>
+                                      </p:to>
+                                    </p:set>
+                                  </p:childTnLst>
+                                </p:cTn>
+                              </p:par>
+                              <p:par>
+                                <p:cTn id="39" presetID="1" presetClass="entr" presetSubtype="0" fill="hold" nodeType="withEffect">
+                                  <p:stCondLst>
+                                    <p:cond delay="0"/>
+                                  </p:stCondLst>
+                                  <p:childTnLst>
+                                    <p:set>
+                                      <p:cBhvr>
+                                        <p:cTn id="40" dur="1" fill="hold">
+                                          <p:stCondLst>
+                                            <p:cond delay="0"/>
+                                          </p:stCondLst>
+                                        </p:cTn>
+                                        <p:tgtEl>
+                                          <p:spTgt spid="2">
+                                            <p:txEl>
+                                              <p:pRg st="13" end="13"/>
+                                            </p:txEl>
+                                          </p:spTgt>
+                                        </p:tgtEl>
+                                        <p:attrNameLst>
+                                          <p:attrName>style.visibility</p:attrName>
+                                        </p:attrNameLst>
+                                      </p:cBhvr>
+                                      <p:to>
+                                        <p:strVal val="visible"/>
+                                      </p:to>
+                                    </p:set>
+                                  </p:childTnLst>
+                                </p:cTn>
+                              </p:par>
+                              <p:par>
+                                <p:cTn id="41" presetID="1" presetClass="entr" presetSubtype="0" fill="hold" nodeType="withEffect">
+                                  <p:stCondLst>
+                                    <p:cond delay="0"/>
+                                  </p:stCondLst>
+                                  <p:childTnLst>
+                                    <p:set>
+                                      <p:cBhvr>
+                                        <p:cTn id="42" dur="1" fill="hold">
+                                          <p:stCondLst>
+                                            <p:cond delay="0"/>
+                                          </p:stCondLst>
+                                        </p:cTn>
+                                        <p:tgtEl>
+                                          <p:spTgt spid="2">
+                                            <p:txEl>
+                                              <p:pRg st="14" end="14"/>
+                                            </p:txEl>
+                                          </p:spTgt>
+                                        </p:tgtEl>
+                                        <p:attrNameLst>
+                                          <p:attrName>style.visibility</p:attrName>
+                                        </p:attrNameLst>
+                                      </p:cBhvr>
+                                      <p:to>
+                                        <p:strVal val="visible"/>
+                                      </p:to>
+                                    </p:set>
+                                  </p:childTnLst>
+                                </p:cTn>
+                              </p:par>
+                              <p:par>
+                                <p:cTn id="43" presetID="1" presetClass="entr" presetSubtype="0" fill="hold" nodeType="withEffect">
+                                  <p:stCondLst>
+                                    <p:cond delay="0"/>
+                                  </p:stCondLst>
+                                  <p:childTnLst>
+                                    <p:set>
+                                      <p:cBhvr>
+                                        <p:cTn id="44" dur="1" fill="hold">
+                                          <p:stCondLst>
+                                            <p:cond delay="0"/>
+                                          </p:stCondLst>
+                                        </p:cTn>
+                                        <p:tgtEl>
+                                          <p:spTgt spid="2">
+                                            <p:txEl>
+                                              <p:pRg st="15" end="15"/>
+                                            </p:txEl>
+                                          </p:spTgt>
+                                        </p:tgtEl>
+                                        <p:attrNameLst>
+                                          <p:attrName>style.visibility</p:attrName>
+                                        </p:attrNameLst>
+                                      </p:cBhvr>
+                                      <p:to>
+                                        <p:strVal val="visible"/>
+                                      </p:to>
+                                    </p:set>
+                                  </p:childTnLst>
+                                </p:cTn>
+                              </p:par>
+                              <p:par>
+                                <p:cTn id="45" presetID="1" presetClass="entr" presetSubtype="0" fill="hold" nodeType="withEffect">
+                                  <p:stCondLst>
+                                    <p:cond delay="0"/>
+                                  </p:stCondLst>
+                                  <p:childTnLst>
+                                    <p:set>
+                                      <p:cBhvr>
+                                        <p:cTn id="46" dur="1" fill="hold">
+                                          <p:stCondLst>
+                                            <p:cond delay="0"/>
+                                          </p:stCondLst>
+                                        </p:cTn>
+                                        <p:tgtEl>
+                                          <p:spTgt spid="2">
+                                            <p:txEl>
+                                              <p:pRg st="16" end="16"/>
+                                            </p:txEl>
+                                          </p:spTgt>
+                                        </p:tgtEl>
+                                        <p:attrNameLst>
+                                          <p:attrName>style.visibility</p:attrName>
+                                        </p:attrNameLst>
+                                      </p:cBhvr>
+                                      <p:to>
+                                        <p:strVal val="visible"/>
+                                      </p:to>
+                                    </p:set>
+                                  </p:childTnLst>
+                                </p:cTn>
+                              </p:par>
+                            </p:childTnLst>
+                          </p:cTn>
+                        </p:par>
+                      </p:childTnLst>
+                    </p:cTn>
+                  </p:par>
+                  <p:par>
+                    <p:cTn id="47" fill="hold">
+                      <p:stCondLst>
+                        <p:cond delay="indefinite"/>
+                      </p:stCondLst>
+                      <p:childTnLst>
+                        <p:par>
+                          <p:cTn id="48" fill="hold">
+                            <p:stCondLst>
+                              <p:cond delay="0"/>
+                            </p:stCondLst>
+                            <p:childTnLst>
+                              <p:par>
+                                <p:cTn id="49" presetID="1" presetClass="entr" presetSubtype="0" fill="hold" nodeType="clickEffect">
+                                  <p:stCondLst>
+                                    <p:cond delay="0"/>
+                                  </p:stCondLst>
+                                  <p:childTnLst>
+                                    <p:set>
+                                      <p:cBhvr>
+                                        <p:cTn id="50" dur="1" fill="hold">
+                                          <p:stCondLst>
+                                            <p:cond delay="0"/>
+                                          </p:stCondLst>
+                                        </p:cTn>
+                                        <p:tgtEl>
+                                          <p:spTgt spid="2">
+                                            <p:txEl>
+                                              <p:pRg st="19" end="19"/>
+                                            </p:txEl>
+                                          </p:spTgt>
+                                        </p:tgtEl>
+                                        <p:attrNameLst>
+                                          <p:attrName>style.visibility</p:attrName>
+                                        </p:attrNameLst>
+                                      </p:cBhvr>
+                                      <p:to>
+                                        <p:strVal val="visible"/>
+                                      </p:to>
+                                    </p:set>
+                                  </p:childTnLst>
+                                </p:cTn>
+                              </p:par>
+                            </p:childTnLst>
+                          </p:cTn>
+                        </p:par>
+                      </p:childTnLst>
+                    </p:cTn>
+                  </p:par>
+                  <p:par>
+                    <p:cTn id="51" fill="hold">
+                      <p:stCondLst>
+                        <p:cond delay="indefinite"/>
+                      </p:stCondLst>
+                      <p:childTnLst>
+                        <p:par>
+                          <p:cTn id="52" fill="hold">
+                            <p:stCondLst>
+                              <p:cond delay="0"/>
+                            </p:stCondLst>
+                            <p:childTnLst>
+                              <p:par>
+                                <p:cTn id="53" presetID="1" presetClass="entr" presetSubtype="0" fill="hold" nodeType="clickEffect">
+                                  <p:stCondLst>
+                                    <p:cond delay="0"/>
+                                  </p:stCondLst>
+                                  <p:childTnLst>
+                                    <p:set>
+                                      <p:cBhvr>
+                                        <p:cTn id="54" dur="1" fill="hold">
+                                          <p:stCondLst>
+                                            <p:cond delay="0"/>
+                                          </p:stCondLst>
+                                        </p:cTn>
+                                        <p:tgtEl>
+                                          <p:spTgt spid="2">
+                                            <p:txEl>
+                                              <p:pRg st="20" end="20"/>
+                                            </p:txEl>
+                                          </p:spTgt>
+                                        </p:tgtEl>
+                                        <p:attrNameLst>
+                                          <p:attrName>style.visibility</p:attrName>
+                                        </p:attrNameLst>
+                                      </p:cBhvr>
+                                      <p:to>
+                                        <p:strVal val="visible"/>
+                                      </p:to>
+                                    </p:set>
+                                  </p:childTnLst>
+                                </p:cTn>
+                              </p:par>
+                            </p:childTnLst>
+                          </p:cTn>
+                        </p:par>
+                      </p:childTnLst>
+                    </p:cTn>
+                  </p:par>
+                  <p:par>
+                    <p:cTn id="55" fill="hold">
+                      <p:stCondLst>
+                        <p:cond delay="indefinite"/>
+                      </p:stCondLst>
+                      <p:childTnLst>
+                        <p:par>
+                          <p:cTn id="56" fill="hold">
+                            <p:stCondLst>
+                              <p:cond delay="0"/>
+                            </p:stCondLst>
+                            <p:childTnLst>
+                              <p:par>
+                                <p:cTn id="57" presetID="1" presetClass="entr" presetSubtype="0" fill="hold" nodeType="clickEffect">
+                                  <p:stCondLst>
+                                    <p:cond delay="0"/>
+                                  </p:stCondLst>
+                                  <p:childTnLst>
+                                    <p:set>
+                                      <p:cBhvr>
+                                        <p:cTn id="58" dur="1" fill="hold">
+                                          <p:stCondLst>
+                                            <p:cond delay="0"/>
+                                          </p:stCondLst>
+                                        </p:cTn>
+                                        <p:tgtEl>
+                                          <p:spTgt spid="2">
+                                            <p:txEl>
+                                              <p:pRg st="21" end="21"/>
+                                            </p:txEl>
+                                          </p:spTgt>
+                                        </p:tgtEl>
+                                        <p:attrNameLst>
+                                          <p:attrName>style.visibility</p:attrName>
+                                        </p:attrNameLst>
+                                      </p:cBhvr>
+                                      <p:to>
+                                        <p:strVal val="visible"/>
+                                      </p:to>
+                                    </p:set>
+                                  </p:childTnLst>
+                                </p:cTn>
+                              </p:par>
+                            </p:childTnLst>
+                          </p:cTn>
+                        </p:par>
+                      </p:childTnLst>
+                    </p:cTn>
+                  </p:par>
+                  <p:par>
+                    <p:cTn id="59" fill="hold">
+                      <p:stCondLst>
+                        <p:cond delay="indefinite"/>
+                      </p:stCondLst>
+                      <p:childTnLst>
+                        <p:par>
+                          <p:cTn id="60" fill="hold">
+                            <p:stCondLst>
+                              <p:cond delay="0"/>
+                            </p:stCondLst>
+                            <p:childTnLst>
+                              <p:par>
+                                <p:cTn id="61" presetID="1" presetClass="entr" presetSubtype="0" fill="hold" nodeType="clickEffect">
+                                  <p:stCondLst>
+                                    <p:cond delay="0"/>
+                                  </p:stCondLst>
+                                  <p:childTnLst>
+                                    <p:set>
+                                      <p:cBhvr>
+                                        <p:cTn id="62" dur="1" fill="hold">
+                                          <p:stCondLst>
+                                            <p:cond delay="0"/>
+                                          </p:stCondLst>
+                                        </p:cTn>
+                                        <p:tgtEl>
+                                          <p:spTgt spid="2">
+                                            <p:txEl>
+                                              <p:pRg st="22" end="22"/>
+                                            </p:txEl>
+                                          </p:spTgt>
+                                        </p:tgtEl>
+                                        <p:attrNameLst>
+                                          <p:attrName>style.visibility</p:attrName>
+                                        </p:attrNameLst>
+                                      </p:cBhvr>
+                                      <p:to>
+                                        <p:strVal val="visible"/>
+                                      </p:to>
+                                    </p:set>
+                                  </p:childTnLst>
+                                </p:cTn>
+                              </p:par>
+                            </p:childTnLst>
+                          </p:cTn>
+                        </p:par>
+                      </p:childTnLst>
+                    </p:cTn>
+                  </p:par>
+                </p:childTnLst>
+              </p:cTn>
+              <p:prevCondLst>
+                <p:cond evt="onPrev" delay="0">
+                  <p:tgtEl>
+                    <p:sldTgt/>
+                  </p:tgtEl>
+                </p:cond>
+              </p:prevCondLst>
+              <p:nextCondLst>
+                <p:cond evt="onNext" delay="0">
+                  <p:tgtEl>
+                    <p:sldTgt/>
+                  </p:tgtEl>
+                </p:cond>
+              </p:nextCondLst>
+            </p:seq>
+          </p:childTnLst>
+        </p:cTn>
+      </p:par>
+    </p:tnLst>
+    <p:bldLst>
+      <p:bldP spid="12" grpId="0" animBg="1"/>
+    </p:bldLst>
+  </p:timing>
+</p:sld>
+</file>
+
+<file path=ppt/slides/slide17.xml><?xml version="1.0" encoding="utf-8"?>
+<p:sld xmlns:a="http://schemas.openxmlformats.org/drawingml/2006/main" xmlns:r="http://schemas.openxmlformats.org/officeDocument/2006/relationships" xmlns:p="http://schemas.openxmlformats.org/presentationml/2006/main">
+  <p:cSld>
+    <p:spTree>
+      <p:nvGrpSpPr>
+        <p:cNvPr id="1" name=""/>
+        <p:cNvGrpSpPr/>
+        <p:nvPr/>
+      </p:nvGrpSpPr>
+      <p:grpSpPr>
+        <a:xfrm>
+          <a:off x="0" y="0"/>
+          <a:ext cx="0" cy="0"/>
+          <a:chOff x="0" y="0"/>
+          <a:chExt cx="0" cy="0"/>
+        </a:xfrm>
+      </p:grpSpPr>
+      <p:sp>
+        <p:nvSpPr>
           <p:cNvPr id="46082" name="Rectangle 2">
             <a:extLst>
               <a:ext uri="{FF2B5EF4-FFF2-40B4-BE49-F238E27FC236}">
@@ -20729,7 +23174,7 @@
 </p:sld>
 </file>
 
-<file path=ppt/slides/slide17.xml><?xml version="1.0" encoding="utf-8"?>
+<file path=ppt/slides/slide18.xml><?xml version="1.0" encoding="utf-8"?>
 <p:sld xmlns:a="http://schemas.openxmlformats.org/drawingml/2006/main" xmlns:r="http://schemas.openxmlformats.org/officeDocument/2006/relationships" xmlns:p="http://schemas.openxmlformats.org/presentationml/2006/main">
   <p:cSld>
     <p:spTree>
@@ -20903,7 +23348,7 @@
 </p:sld>
 </file>
 
-<file path=ppt/slides/slide18.xml><?xml version="1.0" encoding="utf-8"?>
+<file path=ppt/slides/slide19.xml><?xml version="1.0" encoding="utf-8"?>
 <p:sld xmlns:a="http://schemas.openxmlformats.org/drawingml/2006/main" xmlns:r="http://schemas.openxmlformats.org/officeDocument/2006/relationships" xmlns:p="http://schemas.openxmlformats.org/presentationml/2006/main">
   <p:cSld>
     <p:spTree>
@@ -21264,7 +23709,303 @@
 </p:sld>
 </file>
 
-<file path=ppt/slides/slide19.xml><?xml version="1.0" encoding="utf-8"?>
+<file path=ppt/slides/slide2.xml><?xml version="1.0" encoding="utf-8"?>
+<p:sld xmlns:a="http://schemas.openxmlformats.org/drawingml/2006/main" xmlns:r="http://schemas.openxmlformats.org/officeDocument/2006/relationships" xmlns:p="http://schemas.openxmlformats.org/presentationml/2006/main">
+  <p:cSld>
+    <p:spTree>
+      <p:nvGrpSpPr>
+        <p:cNvPr id="1" name=""/>
+        <p:cNvGrpSpPr/>
+        <p:nvPr/>
+      </p:nvGrpSpPr>
+      <p:grpSpPr>
+        <a:xfrm>
+          <a:off x="0" y="0"/>
+          <a:ext cx="0" cy="0"/>
+          <a:chOff x="0" y="0"/>
+          <a:chExt cx="0" cy="0"/>
+        </a:xfrm>
+      </p:grpSpPr>
+      <p:sp>
+        <p:nvSpPr>
+          <p:cNvPr id="2" name="标题 1">
+            <a:extLst>
+              <a:ext uri="{FF2B5EF4-FFF2-40B4-BE49-F238E27FC236}">
+                <a16:creationId xmlns:a16="http://schemas.microsoft.com/office/drawing/2014/main" id="{155CFD86-2413-47B5-AB06-D70BFC64242D}"/>
+              </a:ext>
+            </a:extLst>
+          </p:cNvPr>
+          <p:cNvSpPr>
+            <a:spLocks noGrp="1"/>
+          </p:cNvSpPr>
+          <p:nvPr>
+            <p:ph type="title"/>
+          </p:nvPr>
+        </p:nvSpPr>
+        <p:spPr/>
+        <p:txBody>
+          <a:bodyPr/>
+          <a:lstStyle/>
+          <a:p>
+            <a:r>
+              <a:rPr lang="zh-CN" altLang="en-US" dirty="0"/>
+              <a:t>应用示例：简单的物种识别系统</a:t>
+            </a:r>
+          </a:p>
+        </p:txBody>
+      </p:sp>
+      <p:graphicFrame>
+        <p:nvGraphicFramePr>
+          <p:cNvPr id="3" name="图示 2">
+            <a:extLst>
+              <a:ext uri="{FF2B5EF4-FFF2-40B4-BE49-F238E27FC236}">
+                <a16:creationId xmlns:a16="http://schemas.microsoft.com/office/drawing/2014/main" id="{FF05EED2-1BBC-473A-828A-1F5FEA574C9F}"/>
+              </a:ext>
+            </a:extLst>
+          </p:cNvPr>
+          <p:cNvGraphicFramePr/>
+          <p:nvPr>
+            <p:extLst>
+              <p:ext uri="{D42A27DB-BD31-4B8C-83A1-F6EECF244321}">
+                <p14:modId xmlns:p14="http://schemas.microsoft.com/office/powerpoint/2010/main" val="1291040018"/>
+              </p:ext>
+            </p:extLst>
+          </p:nvPr>
+        </p:nvGraphicFramePr>
+        <p:xfrm>
+          <a:off x="2662448" y="1700808"/>
+          <a:ext cx="6903609" cy="4151802"/>
+        </p:xfrm>
+        <a:graphic>
+          <a:graphicData uri="http://schemas.openxmlformats.org/drawingml/2006/diagram">
+            <dgm:relIds xmlns:dgm="http://schemas.openxmlformats.org/drawingml/2006/diagram" xmlns:r="http://schemas.openxmlformats.org/officeDocument/2006/relationships" r:dm="rId2" r:lo="rId3" r:qs="rId4" r:cs="rId5"/>
+          </a:graphicData>
+        </a:graphic>
+      </p:graphicFrame>
+      <p:sp>
+        <p:nvSpPr>
+          <p:cNvPr id="4" name="文本框 3">
+            <a:extLst>
+              <a:ext uri="{FF2B5EF4-FFF2-40B4-BE49-F238E27FC236}">
+                <a16:creationId xmlns:a16="http://schemas.microsoft.com/office/drawing/2014/main" id="{4F5A20CB-F2CA-4E61-A389-733978EE7271}"/>
+              </a:ext>
+            </a:extLst>
+          </p:cNvPr>
+          <p:cNvSpPr txBox="1"/>
+          <p:nvPr/>
+        </p:nvSpPr>
+        <p:spPr>
+          <a:xfrm>
+            <a:off x="4970797" y="2797032"/>
+            <a:ext cx="356188" cy="369332"/>
+          </a:xfrm>
+          <a:prstGeom prst="rect">
+            <a:avLst/>
+          </a:prstGeom>
+          <a:noFill/>
+        </p:spPr>
+        <p:txBody>
+          <a:bodyPr wrap="none" rtlCol="0">
+            <a:spAutoFit/>
+          </a:bodyPr>
+          <a:lstStyle/>
+          <a:p>
+            <a:r>
+              <a:rPr lang="en-US" altLang="zh-CN" dirty="0"/>
+              <a:t>N</a:t>
+            </a:r>
+          </a:p>
+        </p:txBody>
+      </p:sp>
+      <p:sp>
+        <p:nvSpPr>
+          <p:cNvPr id="5" name="文本框 4">
+            <a:extLst>
+              <a:ext uri="{FF2B5EF4-FFF2-40B4-BE49-F238E27FC236}">
+                <a16:creationId xmlns:a16="http://schemas.microsoft.com/office/drawing/2014/main" id="{C044113E-2AE8-4E9E-80CF-FFA116012C05}"/>
+              </a:ext>
+            </a:extLst>
+          </p:cNvPr>
+          <p:cNvSpPr txBox="1"/>
+          <p:nvPr/>
+        </p:nvSpPr>
+        <p:spPr>
+          <a:xfrm>
+            <a:off x="6865017" y="2797032"/>
+            <a:ext cx="320922" cy="369332"/>
+          </a:xfrm>
+          <a:prstGeom prst="rect">
+            <a:avLst/>
+          </a:prstGeom>
+          <a:noFill/>
+        </p:spPr>
+        <p:txBody>
+          <a:bodyPr wrap="none" rtlCol="0">
+            <a:spAutoFit/>
+          </a:bodyPr>
+          <a:lstStyle/>
+          <a:p>
+            <a:r>
+              <a:rPr lang="en-US" altLang="zh-CN" dirty="0"/>
+              <a:t>Y</a:t>
+            </a:r>
+          </a:p>
+        </p:txBody>
+      </p:sp>
+      <p:sp>
+        <p:nvSpPr>
+          <p:cNvPr id="6" name="文本框 5">
+            <a:extLst>
+              <a:ext uri="{FF2B5EF4-FFF2-40B4-BE49-F238E27FC236}">
+                <a16:creationId xmlns:a16="http://schemas.microsoft.com/office/drawing/2014/main" id="{CF668791-7C64-4CBA-A376-00F049D8D011}"/>
+              </a:ext>
+            </a:extLst>
+          </p:cNvPr>
+          <p:cNvSpPr txBox="1"/>
+          <p:nvPr/>
+        </p:nvSpPr>
+        <p:spPr>
+          <a:xfrm>
+            <a:off x="3647728" y="4221088"/>
+            <a:ext cx="356188" cy="369332"/>
+          </a:xfrm>
+          <a:prstGeom prst="rect">
+            <a:avLst/>
+          </a:prstGeom>
+          <a:noFill/>
+        </p:spPr>
+        <p:txBody>
+          <a:bodyPr wrap="none" rtlCol="0">
+            <a:spAutoFit/>
+          </a:bodyPr>
+          <a:lstStyle/>
+          <a:p>
+            <a:r>
+              <a:rPr lang="en-US" altLang="zh-CN" dirty="0"/>
+              <a:t>N</a:t>
+            </a:r>
+          </a:p>
+        </p:txBody>
+      </p:sp>
+      <p:sp>
+        <p:nvSpPr>
+          <p:cNvPr id="7" name="文本框 6">
+            <a:extLst>
+              <a:ext uri="{FF2B5EF4-FFF2-40B4-BE49-F238E27FC236}">
+                <a16:creationId xmlns:a16="http://schemas.microsoft.com/office/drawing/2014/main" id="{CBC512DA-EF9D-41DD-9C01-2D67A9FB4E6C}"/>
+              </a:ext>
+            </a:extLst>
+          </p:cNvPr>
+          <p:cNvSpPr txBox="1"/>
+          <p:nvPr/>
+        </p:nvSpPr>
+        <p:spPr>
+          <a:xfrm>
+            <a:off x="4575616" y="4211234"/>
+            <a:ext cx="320922" cy="369332"/>
+          </a:xfrm>
+          <a:prstGeom prst="rect">
+            <a:avLst/>
+          </a:prstGeom>
+          <a:noFill/>
+        </p:spPr>
+        <p:txBody>
+          <a:bodyPr wrap="none" rtlCol="0">
+            <a:spAutoFit/>
+          </a:bodyPr>
+          <a:lstStyle/>
+          <a:p>
+            <a:r>
+              <a:rPr lang="en-US" altLang="zh-CN" dirty="0"/>
+              <a:t>Y</a:t>
+            </a:r>
+          </a:p>
+        </p:txBody>
+      </p:sp>
+      <p:sp>
+        <p:nvSpPr>
+          <p:cNvPr id="8" name="文本框 7">
+            <a:extLst>
+              <a:ext uri="{FF2B5EF4-FFF2-40B4-BE49-F238E27FC236}">
+                <a16:creationId xmlns:a16="http://schemas.microsoft.com/office/drawing/2014/main" id="{07191A1C-86BC-4D41-BAA0-C6DE7BCED035}"/>
+              </a:ext>
+            </a:extLst>
+          </p:cNvPr>
+          <p:cNvSpPr txBox="1"/>
+          <p:nvPr/>
+        </p:nvSpPr>
+        <p:spPr>
+          <a:xfrm>
+            <a:off x="7295464" y="4221088"/>
+            <a:ext cx="356188" cy="369332"/>
+          </a:xfrm>
+          <a:prstGeom prst="rect">
+            <a:avLst/>
+          </a:prstGeom>
+          <a:noFill/>
+        </p:spPr>
+        <p:txBody>
+          <a:bodyPr wrap="none" rtlCol="0">
+            <a:spAutoFit/>
+          </a:bodyPr>
+          <a:lstStyle/>
+          <a:p>
+            <a:r>
+              <a:rPr lang="en-US" altLang="zh-CN" dirty="0"/>
+              <a:t>N</a:t>
+            </a:r>
+          </a:p>
+        </p:txBody>
+      </p:sp>
+      <p:sp>
+        <p:nvSpPr>
+          <p:cNvPr id="9" name="文本框 8">
+            <a:extLst>
+              <a:ext uri="{FF2B5EF4-FFF2-40B4-BE49-F238E27FC236}">
+                <a16:creationId xmlns:a16="http://schemas.microsoft.com/office/drawing/2014/main" id="{A427E82B-258A-400F-902D-BC59C6B015BD}"/>
+              </a:ext>
+            </a:extLst>
+          </p:cNvPr>
+          <p:cNvSpPr txBox="1"/>
+          <p:nvPr/>
+        </p:nvSpPr>
+        <p:spPr>
+          <a:xfrm>
+            <a:off x="8300007" y="4221764"/>
+            <a:ext cx="320922" cy="369332"/>
+          </a:xfrm>
+          <a:prstGeom prst="rect">
+            <a:avLst/>
+          </a:prstGeom>
+          <a:noFill/>
+        </p:spPr>
+        <p:txBody>
+          <a:bodyPr wrap="none" rtlCol="0">
+            <a:spAutoFit/>
+          </a:bodyPr>
+          <a:lstStyle/>
+          <a:p>
+            <a:r>
+              <a:rPr lang="en-US" altLang="zh-CN" dirty="0"/>
+              <a:t>Y</a:t>
+            </a:r>
+          </a:p>
+        </p:txBody>
+      </p:sp>
+    </p:spTree>
+    <p:extLst>
+      <p:ext uri="{BB962C8B-B14F-4D97-AF65-F5344CB8AC3E}">
+        <p14:creationId xmlns:p14="http://schemas.microsoft.com/office/powerpoint/2010/main" val="3096829265"/>
+      </p:ext>
+    </p:extLst>
+  </p:cSld>
+  <p:clrMapOvr>
+    <a:masterClrMapping/>
+  </p:clrMapOvr>
+</p:sld>
+</file>
+
+<file path=ppt/slides/slide20.xml><?xml version="1.0" encoding="utf-8"?>
 <p:sld xmlns:a="http://schemas.openxmlformats.org/drawingml/2006/main" xmlns:r="http://schemas.openxmlformats.org/officeDocument/2006/relationships" xmlns:p="http://schemas.openxmlformats.org/presentationml/2006/main">
   <p:cSld>
     <p:spTree>
@@ -21642,303 +24383,7 @@
 </p:sld>
 </file>
 
-<file path=ppt/slides/slide2.xml><?xml version="1.0" encoding="utf-8"?>
-<p:sld xmlns:a="http://schemas.openxmlformats.org/drawingml/2006/main" xmlns:r="http://schemas.openxmlformats.org/officeDocument/2006/relationships" xmlns:p="http://schemas.openxmlformats.org/presentationml/2006/main">
-  <p:cSld>
-    <p:spTree>
-      <p:nvGrpSpPr>
-        <p:cNvPr id="1" name=""/>
-        <p:cNvGrpSpPr/>
-        <p:nvPr/>
-      </p:nvGrpSpPr>
-      <p:grpSpPr>
-        <a:xfrm>
-          <a:off x="0" y="0"/>
-          <a:ext cx="0" cy="0"/>
-          <a:chOff x="0" y="0"/>
-          <a:chExt cx="0" cy="0"/>
-        </a:xfrm>
-      </p:grpSpPr>
-      <p:sp>
-        <p:nvSpPr>
-          <p:cNvPr id="2" name="标题 1">
-            <a:extLst>
-              <a:ext uri="{FF2B5EF4-FFF2-40B4-BE49-F238E27FC236}">
-                <a16:creationId xmlns:a16="http://schemas.microsoft.com/office/drawing/2014/main" id="{155CFD86-2413-47B5-AB06-D70BFC64242D}"/>
-              </a:ext>
-            </a:extLst>
-          </p:cNvPr>
-          <p:cNvSpPr>
-            <a:spLocks noGrp="1"/>
-          </p:cNvSpPr>
-          <p:nvPr>
-            <p:ph type="title"/>
-          </p:nvPr>
-        </p:nvSpPr>
-        <p:spPr/>
-        <p:txBody>
-          <a:bodyPr/>
-          <a:lstStyle/>
-          <a:p>
-            <a:r>
-              <a:rPr lang="zh-CN" altLang="en-US" dirty="0"/>
-              <a:t>应用示例：简单的物种识别系统</a:t>
-            </a:r>
-          </a:p>
-        </p:txBody>
-      </p:sp>
-      <p:graphicFrame>
-        <p:nvGraphicFramePr>
-          <p:cNvPr id="3" name="图示 2">
-            <a:extLst>
-              <a:ext uri="{FF2B5EF4-FFF2-40B4-BE49-F238E27FC236}">
-                <a16:creationId xmlns:a16="http://schemas.microsoft.com/office/drawing/2014/main" id="{FF05EED2-1BBC-473A-828A-1F5FEA574C9F}"/>
-              </a:ext>
-            </a:extLst>
-          </p:cNvPr>
-          <p:cNvGraphicFramePr/>
-          <p:nvPr>
-            <p:extLst>
-              <p:ext uri="{D42A27DB-BD31-4B8C-83A1-F6EECF244321}">
-                <p14:modId xmlns:p14="http://schemas.microsoft.com/office/powerpoint/2010/main" val="1291040018"/>
-              </p:ext>
-            </p:extLst>
-          </p:nvPr>
-        </p:nvGraphicFramePr>
-        <p:xfrm>
-          <a:off x="2662448" y="1700808"/>
-          <a:ext cx="6903609" cy="4151802"/>
-        </p:xfrm>
-        <a:graphic>
-          <a:graphicData uri="http://schemas.openxmlformats.org/drawingml/2006/diagram">
-            <dgm:relIds xmlns:dgm="http://schemas.openxmlformats.org/drawingml/2006/diagram" xmlns:r="http://schemas.openxmlformats.org/officeDocument/2006/relationships" r:dm="rId2" r:lo="rId3" r:qs="rId4" r:cs="rId5"/>
-          </a:graphicData>
-        </a:graphic>
-      </p:graphicFrame>
-      <p:sp>
-        <p:nvSpPr>
-          <p:cNvPr id="4" name="文本框 3">
-            <a:extLst>
-              <a:ext uri="{FF2B5EF4-FFF2-40B4-BE49-F238E27FC236}">
-                <a16:creationId xmlns:a16="http://schemas.microsoft.com/office/drawing/2014/main" id="{4F5A20CB-F2CA-4E61-A389-733978EE7271}"/>
-              </a:ext>
-            </a:extLst>
-          </p:cNvPr>
-          <p:cNvSpPr txBox="1"/>
-          <p:nvPr/>
-        </p:nvSpPr>
-        <p:spPr>
-          <a:xfrm>
-            <a:off x="4970797" y="2797032"/>
-            <a:ext cx="356188" cy="369332"/>
-          </a:xfrm>
-          <a:prstGeom prst="rect">
-            <a:avLst/>
-          </a:prstGeom>
-          <a:noFill/>
-        </p:spPr>
-        <p:txBody>
-          <a:bodyPr wrap="none" rtlCol="0">
-            <a:spAutoFit/>
-          </a:bodyPr>
-          <a:lstStyle/>
-          <a:p>
-            <a:r>
-              <a:rPr lang="en-US" altLang="zh-CN" dirty="0"/>
-              <a:t>N</a:t>
-            </a:r>
-          </a:p>
-        </p:txBody>
-      </p:sp>
-      <p:sp>
-        <p:nvSpPr>
-          <p:cNvPr id="5" name="文本框 4">
-            <a:extLst>
-              <a:ext uri="{FF2B5EF4-FFF2-40B4-BE49-F238E27FC236}">
-                <a16:creationId xmlns:a16="http://schemas.microsoft.com/office/drawing/2014/main" id="{C044113E-2AE8-4E9E-80CF-FFA116012C05}"/>
-              </a:ext>
-            </a:extLst>
-          </p:cNvPr>
-          <p:cNvSpPr txBox="1"/>
-          <p:nvPr/>
-        </p:nvSpPr>
-        <p:spPr>
-          <a:xfrm>
-            <a:off x="6865017" y="2797032"/>
-            <a:ext cx="320922" cy="369332"/>
-          </a:xfrm>
-          <a:prstGeom prst="rect">
-            <a:avLst/>
-          </a:prstGeom>
-          <a:noFill/>
-        </p:spPr>
-        <p:txBody>
-          <a:bodyPr wrap="none" rtlCol="0">
-            <a:spAutoFit/>
-          </a:bodyPr>
-          <a:lstStyle/>
-          <a:p>
-            <a:r>
-              <a:rPr lang="en-US" altLang="zh-CN" dirty="0"/>
-              <a:t>Y</a:t>
-            </a:r>
-          </a:p>
-        </p:txBody>
-      </p:sp>
-      <p:sp>
-        <p:nvSpPr>
-          <p:cNvPr id="6" name="文本框 5">
-            <a:extLst>
-              <a:ext uri="{FF2B5EF4-FFF2-40B4-BE49-F238E27FC236}">
-                <a16:creationId xmlns:a16="http://schemas.microsoft.com/office/drawing/2014/main" id="{CF668791-7C64-4CBA-A376-00F049D8D011}"/>
-              </a:ext>
-            </a:extLst>
-          </p:cNvPr>
-          <p:cNvSpPr txBox="1"/>
-          <p:nvPr/>
-        </p:nvSpPr>
-        <p:spPr>
-          <a:xfrm>
-            <a:off x="3647728" y="4221088"/>
-            <a:ext cx="356188" cy="369332"/>
-          </a:xfrm>
-          <a:prstGeom prst="rect">
-            <a:avLst/>
-          </a:prstGeom>
-          <a:noFill/>
-        </p:spPr>
-        <p:txBody>
-          <a:bodyPr wrap="none" rtlCol="0">
-            <a:spAutoFit/>
-          </a:bodyPr>
-          <a:lstStyle/>
-          <a:p>
-            <a:r>
-              <a:rPr lang="en-US" altLang="zh-CN" dirty="0"/>
-              <a:t>N</a:t>
-            </a:r>
-          </a:p>
-        </p:txBody>
-      </p:sp>
-      <p:sp>
-        <p:nvSpPr>
-          <p:cNvPr id="7" name="文本框 6">
-            <a:extLst>
-              <a:ext uri="{FF2B5EF4-FFF2-40B4-BE49-F238E27FC236}">
-                <a16:creationId xmlns:a16="http://schemas.microsoft.com/office/drawing/2014/main" id="{CBC512DA-EF9D-41DD-9C01-2D67A9FB4E6C}"/>
-              </a:ext>
-            </a:extLst>
-          </p:cNvPr>
-          <p:cNvSpPr txBox="1"/>
-          <p:nvPr/>
-        </p:nvSpPr>
-        <p:spPr>
-          <a:xfrm>
-            <a:off x="4575616" y="4211234"/>
-            <a:ext cx="320922" cy="369332"/>
-          </a:xfrm>
-          <a:prstGeom prst="rect">
-            <a:avLst/>
-          </a:prstGeom>
-          <a:noFill/>
-        </p:spPr>
-        <p:txBody>
-          <a:bodyPr wrap="none" rtlCol="0">
-            <a:spAutoFit/>
-          </a:bodyPr>
-          <a:lstStyle/>
-          <a:p>
-            <a:r>
-              <a:rPr lang="en-US" altLang="zh-CN" dirty="0"/>
-              <a:t>Y</a:t>
-            </a:r>
-          </a:p>
-        </p:txBody>
-      </p:sp>
-      <p:sp>
-        <p:nvSpPr>
-          <p:cNvPr id="8" name="文本框 7">
-            <a:extLst>
-              <a:ext uri="{FF2B5EF4-FFF2-40B4-BE49-F238E27FC236}">
-                <a16:creationId xmlns:a16="http://schemas.microsoft.com/office/drawing/2014/main" id="{07191A1C-86BC-4D41-BAA0-C6DE7BCED035}"/>
-              </a:ext>
-            </a:extLst>
-          </p:cNvPr>
-          <p:cNvSpPr txBox="1"/>
-          <p:nvPr/>
-        </p:nvSpPr>
-        <p:spPr>
-          <a:xfrm>
-            <a:off x="7295464" y="4221088"/>
-            <a:ext cx="356188" cy="369332"/>
-          </a:xfrm>
-          <a:prstGeom prst="rect">
-            <a:avLst/>
-          </a:prstGeom>
-          <a:noFill/>
-        </p:spPr>
-        <p:txBody>
-          <a:bodyPr wrap="none" rtlCol="0">
-            <a:spAutoFit/>
-          </a:bodyPr>
-          <a:lstStyle/>
-          <a:p>
-            <a:r>
-              <a:rPr lang="en-US" altLang="zh-CN" dirty="0"/>
-              <a:t>N</a:t>
-            </a:r>
-          </a:p>
-        </p:txBody>
-      </p:sp>
-      <p:sp>
-        <p:nvSpPr>
-          <p:cNvPr id="9" name="文本框 8">
-            <a:extLst>
-              <a:ext uri="{FF2B5EF4-FFF2-40B4-BE49-F238E27FC236}">
-                <a16:creationId xmlns:a16="http://schemas.microsoft.com/office/drawing/2014/main" id="{A427E82B-258A-400F-902D-BC59C6B015BD}"/>
-              </a:ext>
-            </a:extLst>
-          </p:cNvPr>
-          <p:cNvSpPr txBox="1"/>
-          <p:nvPr/>
-        </p:nvSpPr>
-        <p:spPr>
-          <a:xfrm>
-            <a:off x="8300007" y="4221764"/>
-            <a:ext cx="320922" cy="369332"/>
-          </a:xfrm>
-          <a:prstGeom prst="rect">
-            <a:avLst/>
-          </a:prstGeom>
-          <a:noFill/>
-        </p:spPr>
-        <p:txBody>
-          <a:bodyPr wrap="none" rtlCol="0">
-            <a:spAutoFit/>
-          </a:bodyPr>
-          <a:lstStyle/>
-          <a:p>
-            <a:r>
-              <a:rPr lang="en-US" altLang="zh-CN" dirty="0"/>
-              <a:t>Y</a:t>
-            </a:r>
-          </a:p>
-        </p:txBody>
-      </p:sp>
-    </p:spTree>
-    <p:extLst>
-      <p:ext uri="{BB962C8B-B14F-4D97-AF65-F5344CB8AC3E}">
-        <p14:creationId xmlns:p14="http://schemas.microsoft.com/office/powerpoint/2010/main" val="3096829265"/>
-      </p:ext>
-    </p:extLst>
-  </p:cSld>
-  <p:clrMapOvr>
-    <a:masterClrMapping/>
-  </p:clrMapOvr>
-</p:sld>
-</file>
-
-<file path=ppt/slides/slide20.xml><?xml version="1.0" encoding="utf-8"?>
+<file path=ppt/slides/slide21.xml><?xml version="1.0" encoding="utf-8"?>
 <p:sld xmlns:a="http://schemas.openxmlformats.org/drawingml/2006/main" xmlns:r="http://schemas.openxmlformats.org/officeDocument/2006/relationships" xmlns:p="http://schemas.openxmlformats.org/presentationml/2006/main">
   <p:cSld>
     <p:spTree>
@@ -22121,7 +24566,7 @@
 </p:sld>
 </file>
 
-<file path=ppt/slides/slide21.xml><?xml version="1.0" encoding="utf-8"?>
+<file path=ppt/slides/slide22.xml><?xml version="1.0" encoding="utf-8"?>
 <p:sld xmlns:a="http://schemas.openxmlformats.org/drawingml/2006/main" xmlns:r="http://schemas.openxmlformats.org/officeDocument/2006/relationships" xmlns:p="http://schemas.openxmlformats.org/presentationml/2006/main">
   <p:cSld>
     <p:spTree>
@@ -22570,7 +25015,7 @@
 </p:sld>
 </file>
 
-<file path=ppt/slides/slide22.xml><?xml version="1.0" encoding="utf-8"?>
+<file path=ppt/slides/slide23.xml><?xml version="1.0" encoding="utf-8"?>
 <p:sld xmlns:a="http://schemas.openxmlformats.org/drawingml/2006/main" xmlns:r="http://schemas.openxmlformats.org/officeDocument/2006/relationships" xmlns:p="http://schemas.openxmlformats.org/presentationml/2006/main">
   <p:cSld>
     <p:spTree>
@@ -23048,7 +25493,7 @@
 </p:sld>
 </file>
 
-<file path=ppt/slides/slide23.xml><?xml version="1.0" encoding="utf-8"?>
+<file path=ppt/slides/slide24.xml><?xml version="1.0" encoding="utf-8"?>
 <p:sld xmlns:a="http://schemas.openxmlformats.org/drawingml/2006/main" xmlns:r="http://schemas.openxmlformats.org/officeDocument/2006/relationships" xmlns:p="http://schemas.openxmlformats.org/presentationml/2006/main">
   <p:cSld>
     <p:spTree>
@@ -23441,7 +25886,7 @@
 </p:sld>
 </file>
 
-<file path=ppt/slides/slide24.xml><?xml version="1.0" encoding="utf-8"?>
+<file path=ppt/slides/slide25.xml><?xml version="1.0" encoding="utf-8"?>
 <p:sld xmlns:a="http://schemas.openxmlformats.org/drawingml/2006/main" xmlns:r="http://schemas.openxmlformats.org/officeDocument/2006/relationships" xmlns:p="http://schemas.openxmlformats.org/presentationml/2006/main">
   <p:cSld>
     <p:spTree>
@@ -23834,7 +26279,7 @@
 </p:sld>
 </file>
 
-<file path=ppt/slides/slide25.xml><?xml version="1.0" encoding="utf-8"?>
+<file path=ppt/slides/slide26.xml><?xml version="1.0" encoding="utf-8"?>
 <p:sld xmlns:a="http://schemas.openxmlformats.org/drawingml/2006/main" xmlns:r="http://schemas.openxmlformats.org/officeDocument/2006/relationships" xmlns:p="http://schemas.openxmlformats.org/presentationml/2006/main">
   <p:cSld>
     <p:spTree>
@@ -24081,7 +26526,7 @@
 </p:sld>
 </file>
 
-<file path=ppt/slides/slide26.xml><?xml version="1.0" encoding="utf-8"?>
+<file path=ppt/slides/slide27.xml><?xml version="1.0" encoding="utf-8"?>
 <p:sld xmlns:a="http://schemas.openxmlformats.org/drawingml/2006/main" xmlns:r="http://schemas.openxmlformats.org/officeDocument/2006/relationships" xmlns:p="http://schemas.openxmlformats.org/presentationml/2006/main">
   <p:cSld>
     <p:spTree>
@@ -25010,7 +27455,7 @@
 </p:sld>
 </file>
 
-<file path=ppt/slides/slide27.xml><?xml version="1.0" encoding="utf-8"?>
+<file path=ppt/slides/slide28.xml><?xml version="1.0" encoding="utf-8"?>
 <p:sld xmlns:a="http://schemas.openxmlformats.org/drawingml/2006/main" xmlns:r="http://schemas.openxmlformats.org/officeDocument/2006/relationships" xmlns:p="http://schemas.openxmlformats.org/presentationml/2006/main">
   <p:cSld>
     <p:spTree>
@@ -30951,7 +33396,7 @@
 </p:sld>
 </file>
 
-<file path=ppt/slides/slide28.xml><?xml version="1.0" encoding="utf-8"?>
+<file path=ppt/slides/slide29.xml><?xml version="1.0" encoding="utf-8"?>
 <p:sld xmlns:a="http://schemas.openxmlformats.org/drawingml/2006/main" xmlns:r="http://schemas.openxmlformats.org/officeDocument/2006/relationships" xmlns:p="http://schemas.openxmlformats.org/presentationml/2006/main">
   <p:cSld>
     <p:spTree>
@@ -31341,7 +33786,333 @@
 </p:sld>
 </file>
 
-<file path=ppt/slides/slide29.xml><?xml version="1.0" encoding="utf-8"?>
+<file path=ppt/slides/slide3.xml><?xml version="1.0" encoding="utf-8"?>
+<p:sld xmlns:a="http://schemas.openxmlformats.org/drawingml/2006/main" xmlns:r="http://schemas.openxmlformats.org/officeDocument/2006/relationships" xmlns:p="http://schemas.openxmlformats.org/presentationml/2006/main">
+  <p:cSld>
+    <p:spTree>
+      <p:nvGrpSpPr>
+        <p:cNvPr id="1" name=""/>
+        <p:cNvGrpSpPr/>
+        <p:nvPr/>
+      </p:nvGrpSpPr>
+      <p:grpSpPr>
+        <a:xfrm>
+          <a:off x="0" y="0"/>
+          <a:ext cx="0" cy="0"/>
+          <a:chOff x="0" y="0"/>
+          <a:chExt cx="0" cy="0"/>
+        </a:xfrm>
+      </p:grpSpPr>
+      <p:sp>
+        <p:nvSpPr>
+          <p:cNvPr id="31746" name="Rectangle 2">
+            <a:extLst>
+              <a:ext uri="{FF2B5EF4-FFF2-40B4-BE49-F238E27FC236}">
+                <a16:creationId xmlns:a16="http://schemas.microsoft.com/office/drawing/2014/main" id="{78D17E07-ED09-4961-8CB6-64BC73B06589}"/>
+              </a:ext>
+            </a:extLst>
+          </p:cNvPr>
+          <p:cNvSpPr>
+            <a:spLocks noGrp="1" noChangeArrowheads="1"/>
+          </p:cNvSpPr>
+          <p:nvPr>
+            <p:ph type="title"/>
+          </p:nvPr>
+        </p:nvSpPr>
+        <p:spPr/>
+        <p:txBody>
+          <a:bodyPr/>
+          <a:lstStyle/>
+          <a:p>
+            <a:r>
+              <a:rPr lang="zh-CN" altLang="en-US"/>
+              <a:t>一、树</a:t>
+            </a:r>
+          </a:p>
+        </p:txBody>
+      </p:sp>
+      <p:pic>
+        <p:nvPicPr>
+          <p:cNvPr id="31748" name="Picture 4">
+            <a:extLst>
+              <a:ext uri="{FF2B5EF4-FFF2-40B4-BE49-F238E27FC236}">
+                <a16:creationId xmlns:a16="http://schemas.microsoft.com/office/drawing/2014/main" id="{51E8EDB3-958B-4CB5-A9FF-FB70C6BAC3E0}"/>
+              </a:ext>
+            </a:extLst>
+          </p:cNvPr>
+          <p:cNvPicPr>
+            <a:picLocks noGrp="1" noChangeAspect="1" noChangeArrowheads="1"/>
+          </p:cNvPicPr>
+          <p:nvPr>
+            <p:ph idx="1"/>
+          </p:nvPr>
+        </p:nvPicPr>
+        <p:blipFill>
+          <a:blip r:embed="rId2">
+            <a:extLst>
+              <a:ext uri="{28A0092B-C50C-407E-A947-70E740481C1C}">
+                <a14:useLocalDpi xmlns:a14="http://schemas.microsoft.com/office/drawing/2010/main" val="0"/>
+              </a:ext>
+            </a:extLst>
+          </a:blip>
+          <a:stretch>
+            <a:fillRect/>
+          </a:stretch>
+        </p:blipFill>
+        <p:spPr>
+          <a:xfrm>
+            <a:off x="6600056" y="2780928"/>
+            <a:ext cx="4453669" cy="3096344"/>
+          </a:xfrm>
+          <a:prstGeom prst="rect">
+            <a:avLst/>
+          </a:prstGeom>
+          <a:ln>
+            <a:noFill/>
+          </a:ln>
+          <a:effectLst>
+            <a:outerShdw blurRad="190500" algn="tl" rotWithShape="0">
+              <a:srgbClr val="000000">
+                <a:alpha val="70000"/>
+              </a:srgbClr>
+            </a:outerShdw>
+          </a:effectLst>
+        </p:spPr>
+      </p:pic>
+      <p:sp>
+        <p:nvSpPr>
+          <p:cNvPr id="31747" name="Rectangle 3">
+            <a:extLst>
+              <a:ext uri="{FF2B5EF4-FFF2-40B4-BE49-F238E27FC236}">
+                <a16:creationId xmlns:a16="http://schemas.microsoft.com/office/drawing/2014/main" id="{4DA86D11-08E9-4CBD-A325-2955B3CE5166}"/>
+              </a:ext>
+            </a:extLst>
+          </p:cNvPr>
+          <p:cNvSpPr>
+            <a:spLocks noGrp="1" noChangeArrowheads="1"/>
+          </p:cNvSpPr>
+          <p:nvPr>
+            <p:ph type="body" sz="half" idx="4294967295"/>
+          </p:nvPr>
+        </p:nvSpPr>
+        <p:spPr>
+          <a:xfrm>
+            <a:off x="2592925" y="1700808"/>
+            <a:ext cx="3503075" cy="4680520"/>
+          </a:xfrm>
+        </p:spPr>
+        <p:txBody>
+          <a:bodyPr>
+            <a:normAutofit fontScale="55000" lnSpcReduction="20000"/>
+          </a:bodyPr>
+          <a:lstStyle/>
+          <a:p>
+            <a:pPr>
+              <a:lnSpc>
+                <a:spcPct val="170000"/>
+              </a:lnSpc>
+            </a:pPr>
+            <a:r>
+              <a:rPr lang="zh-CN" altLang="en-US" sz="2400" dirty="0"/>
+              <a:t>树的</a:t>
+            </a:r>
+            <a:r>
+              <a:rPr lang="en-US" altLang="zh-CN" sz="2400" dirty="0"/>
+              <a:t>ADT</a:t>
+            </a:r>
+            <a:r>
+              <a:rPr lang="zh-CN" altLang="en-US" sz="2400" dirty="0"/>
+              <a:t>定义</a:t>
+            </a:r>
+          </a:p>
+          <a:p>
+            <a:pPr lvl="1">
+              <a:lnSpc>
+                <a:spcPct val="170000"/>
+              </a:lnSpc>
+            </a:pPr>
+            <a:r>
+              <a:rPr lang="zh-CN" altLang="en-US" sz="2000" dirty="0"/>
+              <a:t>从关系约束的角度定义树</a:t>
+            </a:r>
+          </a:p>
+          <a:p>
+            <a:pPr lvl="1">
+              <a:lnSpc>
+                <a:spcPct val="170000"/>
+              </a:lnSpc>
+            </a:pPr>
+            <a:r>
+              <a:rPr lang="zh-CN" altLang="en-US" sz="2000" dirty="0"/>
+              <a:t>以递归形式定义树</a:t>
+            </a:r>
+          </a:p>
+          <a:p>
+            <a:pPr>
+              <a:lnSpc>
+                <a:spcPct val="170000"/>
+              </a:lnSpc>
+            </a:pPr>
+            <a:r>
+              <a:rPr lang="zh-CN" altLang="en-US" sz="2400" dirty="0"/>
+              <a:t>相关术语</a:t>
+            </a:r>
+          </a:p>
+          <a:p>
+            <a:pPr lvl="1">
+              <a:lnSpc>
+                <a:spcPct val="170000"/>
+              </a:lnSpc>
+            </a:pPr>
+            <a:r>
+              <a:rPr lang="zh-CN" altLang="en-US" sz="2000" dirty="0"/>
+              <a:t>根结点</a:t>
+            </a:r>
+            <a:r>
+              <a:rPr lang="en-US" altLang="zh-CN" sz="2000" dirty="0"/>
+              <a:t>-</a:t>
+            </a:r>
+            <a:r>
+              <a:rPr lang="zh-CN" altLang="en-US" sz="2000" dirty="0"/>
+              <a:t>叶结点</a:t>
+            </a:r>
+            <a:r>
+              <a:rPr lang="en-US" altLang="zh-CN" sz="2000" dirty="0"/>
+              <a:t>-</a:t>
+            </a:r>
+            <a:r>
+              <a:rPr lang="zh-CN" altLang="en-US" sz="2000" dirty="0"/>
+              <a:t>非叶结点</a:t>
+            </a:r>
+          </a:p>
+          <a:p>
+            <a:pPr lvl="1">
+              <a:lnSpc>
+                <a:spcPct val="170000"/>
+              </a:lnSpc>
+            </a:pPr>
+            <a:r>
+              <a:rPr lang="zh-CN" altLang="en-US" sz="2000" dirty="0"/>
+              <a:t>父结点</a:t>
+            </a:r>
+            <a:r>
+              <a:rPr lang="en-US" altLang="zh-CN" sz="2000" dirty="0"/>
+              <a:t>-</a:t>
+            </a:r>
+            <a:r>
+              <a:rPr lang="zh-CN" altLang="en-US" sz="2000" dirty="0"/>
+              <a:t>子结点</a:t>
+            </a:r>
+          </a:p>
+          <a:p>
+            <a:pPr lvl="1">
+              <a:lnSpc>
+                <a:spcPct val="170000"/>
+              </a:lnSpc>
+            </a:pPr>
+            <a:r>
+              <a:rPr lang="zh-CN" altLang="en-US" sz="2000" dirty="0"/>
+              <a:t>祖先结点</a:t>
+            </a:r>
+            <a:r>
+              <a:rPr lang="en-US" altLang="zh-CN" sz="2000" dirty="0"/>
+              <a:t>-</a:t>
+            </a:r>
+            <a:r>
+              <a:rPr lang="zh-CN" altLang="en-US" sz="2000" dirty="0"/>
+              <a:t>子孙结点</a:t>
+            </a:r>
+          </a:p>
+          <a:p>
+            <a:pPr lvl="1">
+              <a:lnSpc>
+                <a:spcPct val="170000"/>
+              </a:lnSpc>
+            </a:pPr>
+            <a:r>
+              <a:rPr lang="zh-CN" altLang="en-US" sz="2000" dirty="0"/>
+              <a:t>结点的度</a:t>
+            </a:r>
+            <a:r>
+              <a:rPr lang="en-US" altLang="zh-CN" sz="2000" dirty="0"/>
+              <a:t>-</a:t>
+            </a:r>
+            <a:r>
+              <a:rPr lang="zh-CN" altLang="en-US" sz="2000" dirty="0"/>
+              <a:t>树的度</a:t>
+            </a:r>
+          </a:p>
+          <a:p>
+            <a:pPr lvl="1">
+              <a:lnSpc>
+                <a:spcPct val="170000"/>
+              </a:lnSpc>
+            </a:pPr>
+            <a:r>
+              <a:rPr lang="zh-CN" altLang="en-US" sz="2000" dirty="0"/>
+              <a:t>路径</a:t>
+            </a:r>
+            <a:r>
+              <a:rPr lang="en-US" altLang="zh-CN" sz="2000" dirty="0"/>
+              <a:t>-</a:t>
+            </a:r>
+            <a:r>
+              <a:rPr lang="zh-CN" altLang="en-US" sz="2000" dirty="0"/>
+              <a:t>路径长度</a:t>
+            </a:r>
+          </a:p>
+          <a:p>
+            <a:pPr lvl="1">
+              <a:lnSpc>
+                <a:spcPct val="170000"/>
+              </a:lnSpc>
+            </a:pPr>
+            <a:r>
+              <a:rPr lang="zh-CN" altLang="en-US" sz="2000" dirty="0"/>
+              <a:t>有向树</a:t>
+            </a:r>
+            <a:r>
+              <a:rPr lang="en-US" altLang="zh-CN" sz="2000" dirty="0"/>
+              <a:t>-</a:t>
+            </a:r>
+            <a:r>
+              <a:rPr lang="zh-CN" altLang="en-US" sz="2000" dirty="0"/>
+              <a:t>无向树</a:t>
+            </a:r>
+          </a:p>
+          <a:p>
+            <a:pPr lvl="1">
+              <a:lnSpc>
+                <a:spcPct val="170000"/>
+              </a:lnSpc>
+            </a:pPr>
+            <a:r>
+              <a:rPr lang="zh-CN" altLang="en-US" sz="2000" dirty="0"/>
+              <a:t>结点的层数</a:t>
+            </a:r>
+          </a:p>
+          <a:p>
+            <a:pPr lvl="1">
+              <a:lnSpc>
+                <a:spcPct val="170000"/>
+              </a:lnSpc>
+            </a:pPr>
+            <a:r>
+              <a:rPr lang="zh-CN" altLang="en-US" sz="2000" dirty="0"/>
+              <a:t>树的深度</a:t>
+            </a:r>
+          </a:p>
+        </p:txBody>
+      </p:sp>
+    </p:spTree>
+  </p:cSld>
+  <p:clrMapOvr>
+    <a:masterClrMapping/>
+  </p:clrMapOvr>
+</p:sld>
+</file>
+
+<file path=ppt/slides/slide30.xml><?xml version="1.0" encoding="utf-8"?>
 <p:sld xmlns:a="http://schemas.openxmlformats.org/drawingml/2006/main" xmlns:r="http://schemas.openxmlformats.org/officeDocument/2006/relationships" xmlns:p="http://schemas.openxmlformats.org/presentationml/2006/main">
   <p:cSld>
     <p:spTree>
@@ -32965,332 +35736,6 @@
       <p:bldP spid="73742" grpId="0" autoUpdateAnimBg="0"/>
     </p:bldLst>
   </p:timing>
-</p:sld>
-</file>
-
-<file path=ppt/slides/slide3.xml><?xml version="1.0" encoding="utf-8"?>
-<p:sld xmlns:a="http://schemas.openxmlformats.org/drawingml/2006/main" xmlns:r="http://schemas.openxmlformats.org/officeDocument/2006/relationships" xmlns:p="http://schemas.openxmlformats.org/presentationml/2006/main">
-  <p:cSld>
-    <p:spTree>
-      <p:nvGrpSpPr>
-        <p:cNvPr id="1" name=""/>
-        <p:cNvGrpSpPr/>
-        <p:nvPr/>
-      </p:nvGrpSpPr>
-      <p:grpSpPr>
-        <a:xfrm>
-          <a:off x="0" y="0"/>
-          <a:ext cx="0" cy="0"/>
-          <a:chOff x="0" y="0"/>
-          <a:chExt cx="0" cy="0"/>
-        </a:xfrm>
-      </p:grpSpPr>
-      <p:sp>
-        <p:nvSpPr>
-          <p:cNvPr id="31746" name="Rectangle 2">
-            <a:extLst>
-              <a:ext uri="{FF2B5EF4-FFF2-40B4-BE49-F238E27FC236}">
-                <a16:creationId xmlns:a16="http://schemas.microsoft.com/office/drawing/2014/main" id="{78D17E07-ED09-4961-8CB6-64BC73B06589}"/>
-              </a:ext>
-            </a:extLst>
-          </p:cNvPr>
-          <p:cNvSpPr>
-            <a:spLocks noGrp="1" noChangeArrowheads="1"/>
-          </p:cNvSpPr>
-          <p:nvPr>
-            <p:ph type="title"/>
-          </p:nvPr>
-        </p:nvSpPr>
-        <p:spPr/>
-        <p:txBody>
-          <a:bodyPr/>
-          <a:lstStyle/>
-          <a:p>
-            <a:r>
-              <a:rPr lang="zh-CN" altLang="en-US"/>
-              <a:t>一、树</a:t>
-            </a:r>
-          </a:p>
-        </p:txBody>
-      </p:sp>
-      <p:pic>
-        <p:nvPicPr>
-          <p:cNvPr id="31748" name="Picture 4">
-            <a:extLst>
-              <a:ext uri="{FF2B5EF4-FFF2-40B4-BE49-F238E27FC236}">
-                <a16:creationId xmlns:a16="http://schemas.microsoft.com/office/drawing/2014/main" id="{51E8EDB3-958B-4CB5-A9FF-FB70C6BAC3E0}"/>
-              </a:ext>
-            </a:extLst>
-          </p:cNvPr>
-          <p:cNvPicPr>
-            <a:picLocks noGrp="1" noChangeAspect="1" noChangeArrowheads="1"/>
-          </p:cNvPicPr>
-          <p:nvPr>
-            <p:ph idx="1"/>
-          </p:nvPr>
-        </p:nvPicPr>
-        <p:blipFill>
-          <a:blip r:embed="rId2">
-            <a:extLst>
-              <a:ext uri="{28A0092B-C50C-407E-A947-70E740481C1C}">
-                <a14:useLocalDpi xmlns:a14="http://schemas.microsoft.com/office/drawing/2010/main" val="0"/>
-              </a:ext>
-            </a:extLst>
-          </a:blip>
-          <a:stretch>
-            <a:fillRect/>
-          </a:stretch>
-        </p:blipFill>
-        <p:spPr>
-          <a:xfrm>
-            <a:off x="6600056" y="2780928"/>
-            <a:ext cx="4453669" cy="3096344"/>
-          </a:xfrm>
-          <a:prstGeom prst="rect">
-            <a:avLst/>
-          </a:prstGeom>
-          <a:ln>
-            <a:noFill/>
-          </a:ln>
-          <a:effectLst>
-            <a:outerShdw blurRad="190500" algn="tl" rotWithShape="0">
-              <a:srgbClr val="000000">
-                <a:alpha val="70000"/>
-              </a:srgbClr>
-            </a:outerShdw>
-          </a:effectLst>
-        </p:spPr>
-      </p:pic>
-      <p:sp>
-        <p:nvSpPr>
-          <p:cNvPr id="31747" name="Rectangle 3">
-            <a:extLst>
-              <a:ext uri="{FF2B5EF4-FFF2-40B4-BE49-F238E27FC236}">
-                <a16:creationId xmlns:a16="http://schemas.microsoft.com/office/drawing/2014/main" id="{4DA86D11-08E9-4CBD-A325-2955B3CE5166}"/>
-              </a:ext>
-            </a:extLst>
-          </p:cNvPr>
-          <p:cNvSpPr>
-            <a:spLocks noGrp="1" noChangeArrowheads="1"/>
-          </p:cNvSpPr>
-          <p:nvPr>
-            <p:ph type="body" sz="half" idx="4294967295"/>
-          </p:nvPr>
-        </p:nvSpPr>
-        <p:spPr>
-          <a:xfrm>
-            <a:off x="2592925" y="1700808"/>
-            <a:ext cx="3503075" cy="4680520"/>
-          </a:xfrm>
-        </p:spPr>
-        <p:txBody>
-          <a:bodyPr>
-            <a:normAutofit fontScale="55000" lnSpcReduction="20000"/>
-          </a:bodyPr>
-          <a:lstStyle/>
-          <a:p>
-            <a:pPr>
-              <a:lnSpc>
-                <a:spcPct val="170000"/>
-              </a:lnSpc>
-            </a:pPr>
-            <a:r>
-              <a:rPr lang="zh-CN" altLang="en-US" sz="2400" dirty="0"/>
-              <a:t>树的</a:t>
-            </a:r>
-            <a:r>
-              <a:rPr lang="en-US" altLang="zh-CN" sz="2400" dirty="0"/>
-              <a:t>ADT</a:t>
-            </a:r>
-            <a:r>
-              <a:rPr lang="zh-CN" altLang="en-US" sz="2400" dirty="0"/>
-              <a:t>定义</a:t>
-            </a:r>
-          </a:p>
-          <a:p>
-            <a:pPr lvl="1">
-              <a:lnSpc>
-                <a:spcPct val="170000"/>
-              </a:lnSpc>
-            </a:pPr>
-            <a:r>
-              <a:rPr lang="zh-CN" altLang="en-US" sz="2000" dirty="0"/>
-              <a:t>从关系约束的角度定义树</a:t>
-            </a:r>
-          </a:p>
-          <a:p>
-            <a:pPr lvl="1">
-              <a:lnSpc>
-                <a:spcPct val="170000"/>
-              </a:lnSpc>
-            </a:pPr>
-            <a:r>
-              <a:rPr lang="zh-CN" altLang="en-US" sz="2000" dirty="0"/>
-              <a:t>以递归形式定义树</a:t>
-            </a:r>
-          </a:p>
-          <a:p>
-            <a:pPr>
-              <a:lnSpc>
-                <a:spcPct val="170000"/>
-              </a:lnSpc>
-            </a:pPr>
-            <a:r>
-              <a:rPr lang="zh-CN" altLang="en-US" sz="2400" dirty="0"/>
-              <a:t>相关术语</a:t>
-            </a:r>
-          </a:p>
-          <a:p>
-            <a:pPr lvl="1">
-              <a:lnSpc>
-                <a:spcPct val="170000"/>
-              </a:lnSpc>
-            </a:pPr>
-            <a:r>
-              <a:rPr lang="zh-CN" altLang="en-US" sz="2000" dirty="0"/>
-              <a:t>根结点</a:t>
-            </a:r>
-            <a:r>
-              <a:rPr lang="en-US" altLang="zh-CN" sz="2000" dirty="0"/>
-              <a:t>-</a:t>
-            </a:r>
-            <a:r>
-              <a:rPr lang="zh-CN" altLang="en-US" sz="2000" dirty="0"/>
-              <a:t>叶结点</a:t>
-            </a:r>
-            <a:r>
-              <a:rPr lang="en-US" altLang="zh-CN" sz="2000" dirty="0"/>
-              <a:t>-</a:t>
-            </a:r>
-            <a:r>
-              <a:rPr lang="zh-CN" altLang="en-US" sz="2000" dirty="0"/>
-              <a:t>非叶结点</a:t>
-            </a:r>
-          </a:p>
-          <a:p>
-            <a:pPr lvl="1">
-              <a:lnSpc>
-                <a:spcPct val="170000"/>
-              </a:lnSpc>
-            </a:pPr>
-            <a:r>
-              <a:rPr lang="zh-CN" altLang="en-US" sz="2000" dirty="0"/>
-              <a:t>父结点</a:t>
-            </a:r>
-            <a:r>
-              <a:rPr lang="en-US" altLang="zh-CN" sz="2000" dirty="0"/>
-              <a:t>-</a:t>
-            </a:r>
-            <a:r>
-              <a:rPr lang="zh-CN" altLang="en-US" sz="2000" dirty="0"/>
-              <a:t>子结点</a:t>
-            </a:r>
-          </a:p>
-          <a:p>
-            <a:pPr lvl="1">
-              <a:lnSpc>
-                <a:spcPct val="170000"/>
-              </a:lnSpc>
-            </a:pPr>
-            <a:r>
-              <a:rPr lang="zh-CN" altLang="en-US" sz="2000" dirty="0"/>
-              <a:t>祖先结点</a:t>
-            </a:r>
-            <a:r>
-              <a:rPr lang="en-US" altLang="zh-CN" sz="2000" dirty="0"/>
-              <a:t>-</a:t>
-            </a:r>
-            <a:r>
-              <a:rPr lang="zh-CN" altLang="en-US" sz="2000" dirty="0"/>
-              <a:t>子孙结点</a:t>
-            </a:r>
-          </a:p>
-          <a:p>
-            <a:pPr lvl="1">
-              <a:lnSpc>
-                <a:spcPct val="170000"/>
-              </a:lnSpc>
-            </a:pPr>
-            <a:r>
-              <a:rPr lang="zh-CN" altLang="en-US" sz="2000" dirty="0"/>
-              <a:t>结点的度</a:t>
-            </a:r>
-            <a:r>
-              <a:rPr lang="en-US" altLang="zh-CN" sz="2000" dirty="0"/>
-              <a:t>-</a:t>
-            </a:r>
-            <a:r>
-              <a:rPr lang="zh-CN" altLang="en-US" sz="2000" dirty="0"/>
-              <a:t>树的度</a:t>
-            </a:r>
-          </a:p>
-          <a:p>
-            <a:pPr lvl="1">
-              <a:lnSpc>
-                <a:spcPct val="170000"/>
-              </a:lnSpc>
-            </a:pPr>
-            <a:r>
-              <a:rPr lang="zh-CN" altLang="en-US" sz="2000" dirty="0"/>
-              <a:t>路径</a:t>
-            </a:r>
-            <a:r>
-              <a:rPr lang="en-US" altLang="zh-CN" sz="2000" dirty="0"/>
-              <a:t>-</a:t>
-            </a:r>
-            <a:r>
-              <a:rPr lang="zh-CN" altLang="en-US" sz="2000" dirty="0"/>
-              <a:t>路径长度</a:t>
-            </a:r>
-          </a:p>
-          <a:p>
-            <a:pPr lvl="1">
-              <a:lnSpc>
-                <a:spcPct val="170000"/>
-              </a:lnSpc>
-            </a:pPr>
-            <a:r>
-              <a:rPr lang="zh-CN" altLang="en-US" sz="2000" dirty="0"/>
-              <a:t>有向树</a:t>
-            </a:r>
-            <a:r>
-              <a:rPr lang="en-US" altLang="zh-CN" sz="2000" dirty="0"/>
-              <a:t>-</a:t>
-            </a:r>
-            <a:r>
-              <a:rPr lang="zh-CN" altLang="en-US" sz="2000" dirty="0"/>
-              <a:t>无向树</a:t>
-            </a:r>
-          </a:p>
-          <a:p>
-            <a:pPr lvl="1">
-              <a:lnSpc>
-                <a:spcPct val="170000"/>
-              </a:lnSpc>
-            </a:pPr>
-            <a:r>
-              <a:rPr lang="zh-CN" altLang="en-US" sz="2000" dirty="0"/>
-              <a:t>结点的层数</a:t>
-            </a:r>
-          </a:p>
-          <a:p>
-            <a:pPr lvl="1">
-              <a:lnSpc>
-                <a:spcPct val="170000"/>
-              </a:lnSpc>
-            </a:pPr>
-            <a:r>
-              <a:rPr lang="zh-CN" altLang="en-US" sz="2000" dirty="0"/>
-              <a:t>树的深度</a:t>
-            </a:r>
-          </a:p>
-        </p:txBody>
-      </p:sp>
-    </p:spTree>
-  </p:cSld>
-  <p:clrMapOvr>
-    <a:masterClrMapping/>
-  </p:clrMapOvr>
 </p:sld>
 </file>
 
